--- a/MSSQL.E04/MSSQL.E04.pptx
+++ b/MSSQL.E04/MSSQL.E04.pptx
@@ -7,10 +7,10 @@
     <p:sldMasterId id="2147483754" r:id="rId6"/>
   </p:sldMasterIdLst>
   <p:notesMasterIdLst>
-    <p:notesMasterId r:id="rId48"/>
+    <p:notesMasterId r:id="rId47"/>
   </p:notesMasterIdLst>
   <p:handoutMasterIdLst>
-    <p:handoutMasterId r:id="rId49"/>
+    <p:handoutMasterId r:id="rId48"/>
   </p:handoutMasterIdLst>
   <p:sldIdLst>
     <p:sldId id="599" r:id="rId7"/>
@@ -37,23 +37,22 @@
     <p:sldId id="554" r:id="rId28"/>
     <p:sldId id="629" r:id="rId29"/>
     <p:sldId id="548" r:id="rId30"/>
-    <p:sldId id="630" r:id="rId31"/>
-    <p:sldId id="632" r:id="rId32"/>
-    <p:sldId id="635" r:id="rId33"/>
-    <p:sldId id="633" r:id="rId34"/>
-    <p:sldId id="637" r:id="rId35"/>
-    <p:sldId id="605" r:id="rId36"/>
-    <p:sldId id="606" r:id="rId37"/>
-    <p:sldId id="607" r:id="rId38"/>
-    <p:sldId id="608" r:id="rId39"/>
-    <p:sldId id="609" r:id="rId40"/>
-    <p:sldId id="638" r:id="rId41"/>
-    <p:sldId id="611" r:id="rId42"/>
-    <p:sldId id="610" r:id="rId43"/>
-    <p:sldId id="612" r:id="rId44"/>
-    <p:sldId id="596" r:id="rId45"/>
-    <p:sldId id="565" r:id="rId46"/>
-    <p:sldId id="639" r:id="rId47"/>
+    <p:sldId id="632" r:id="rId31"/>
+    <p:sldId id="635" r:id="rId32"/>
+    <p:sldId id="633" r:id="rId33"/>
+    <p:sldId id="637" r:id="rId34"/>
+    <p:sldId id="605" r:id="rId35"/>
+    <p:sldId id="606" r:id="rId36"/>
+    <p:sldId id="607" r:id="rId37"/>
+    <p:sldId id="608" r:id="rId38"/>
+    <p:sldId id="609" r:id="rId39"/>
+    <p:sldId id="638" r:id="rId40"/>
+    <p:sldId id="611" r:id="rId41"/>
+    <p:sldId id="610" r:id="rId42"/>
+    <p:sldId id="612" r:id="rId43"/>
+    <p:sldId id="596" r:id="rId44"/>
+    <p:sldId id="565" r:id="rId45"/>
+    <p:sldId id="639" r:id="rId46"/>
   </p:sldIdLst>
   <p:sldSz cx="9144000" cy="5143500" type="screen16x9"/>
   <p:notesSz cx="6858000" cy="9144000"/>
@@ -423,7 +422,7 @@
           <a:p>
             <a:fld id="{7F5E9BF7-95E4-A242-BA1D-05FDCF603BE6}" type="datetime1">
               <a:rPr lang="en-US" smtClean="0"/>
-              <a:t>10/31/2021</a:t>
+              <a:t>11/28/2021</a:t>
             </a:fld>
             <a:endParaRPr lang="en-US"/>
           </a:p>
@@ -589,7 +588,7 @@
           <a:p>
             <a:fld id="{165DBCB1-0306-AD41-9452-11E7C08D5C04}" type="datetime1">
               <a:rPr lang="en-US" smtClean="0"/>
-              <a:t>10/31/2021</a:t>
+              <a:t>11/27/2021</a:t>
             </a:fld>
             <a:endParaRPr lang="en-US"/>
           </a:p>
@@ -2888,7 +2887,7 @@
     </p:spTree>
     <p:extLst>
       <p:ext uri="{BB962C8B-B14F-4D97-AF65-F5344CB8AC3E}">
-        <p14:creationId xmlns:p14="http://schemas.microsoft.com/office/powerpoint/2010/main" val="2139330229"/>
+        <p14:creationId xmlns:p14="http://schemas.microsoft.com/office/powerpoint/2010/main" val="2275822476"/>
       </p:ext>
     </p:extLst>
   </p:cSld>
@@ -2947,91 +2946,7 @@
           <a:bodyPr/>
           <a:lstStyle/>
           <a:p>
-            <a:r>
-              <a:rPr lang="en-US" sz="900" b="0" i="0" u="none" strike="noStrike" kern="1200" baseline="0" dirty="0">
-                <a:solidFill>
-                  <a:schemeClr val="tx1"/>
-                </a:solidFill>
-                <a:latin typeface="+mn-lt"/>
-                <a:ea typeface="+mn-ea"/>
-                <a:cs typeface="+mn-cs"/>
-              </a:rPr>
-              <a:t>However, it is possible to create a unique clustered index on a view and materialize the</a:t>
-            </a:r>
-          </a:p>
-          <a:p>
-            <a:r>
-              <a:rPr lang="en-US" sz="900" b="0" i="0" u="none" strike="noStrike" kern="1200" baseline="0" dirty="0">
-                <a:solidFill>
-                  <a:schemeClr val="tx1"/>
-                </a:solidFill>
-                <a:latin typeface="+mn-lt"/>
-                <a:ea typeface="+mn-ea"/>
-                <a:cs typeface="+mn-cs"/>
-              </a:rPr>
-              <a:t>data. In that case, more than the view definition is stored. The actual results of the view query</a:t>
-            </a:r>
-          </a:p>
-          <a:p>
-            <a:r>
-              <a:rPr lang="en-US" sz="900" b="0" i="0" u="none" strike="noStrike" kern="1200" baseline="0" dirty="0">
-                <a:solidFill>
-                  <a:schemeClr val="tx1"/>
-                </a:solidFill>
-                <a:latin typeface="+mn-lt"/>
-                <a:ea typeface="+mn-ea"/>
-                <a:cs typeface="+mn-cs"/>
-              </a:rPr>
-              <a:t>are stored on disk, in the clustered index structure. To be indexed, a view must satisfy a number</a:t>
-            </a:r>
-          </a:p>
-          <a:p>
-            <a:r>
-              <a:rPr lang="en-US" sz="900" b="0" i="0" u="none" strike="noStrike" kern="1200" baseline="0" dirty="0">
-                <a:solidFill>
-                  <a:schemeClr val="tx1"/>
-                </a:solidFill>
-                <a:latin typeface="+mn-lt"/>
-                <a:ea typeface="+mn-ea"/>
-                <a:cs typeface="+mn-cs"/>
-              </a:rPr>
-              <a:t>of important restrictions. For more information about </a:t>
-            </a:r>
-            <a:r>
-              <a:rPr lang="en-US" sz="900" b="0" i="1" u="none" strike="noStrike" kern="1200" baseline="0" dirty="0">
-                <a:solidFill>
-                  <a:schemeClr val="tx1"/>
-                </a:solidFill>
-                <a:latin typeface="+mn-lt"/>
-                <a:ea typeface="+mn-ea"/>
-                <a:cs typeface="+mn-cs"/>
-              </a:rPr>
-              <a:t>indexed views</a:t>
-            </a:r>
-            <a:r>
-              <a:rPr lang="en-US" sz="900" b="0" i="0" u="none" strike="noStrike" kern="1200" baseline="0" dirty="0">
-                <a:solidFill>
-                  <a:schemeClr val="tx1"/>
-                </a:solidFill>
-                <a:latin typeface="+mn-lt"/>
-                <a:ea typeface="+mn-ea"/>
-                <a:cs typeface="+mn-cs"/>
-              </a:rPr>
-              <a:t>, see "Implementing</a:t>
-            </a:r>
-          </a:p>
-          <a:p>
-            <a:r>
-              <a:rPr lang="en-US" sz="900" b="0" i="0" u="none" strike="noStrike" kern="1200" baseline="0" dirty="0">
-                <a:solidFill>
-                  <a:schemeClr val="tx1"/>
-                </a:solidFill>
-                <a:latin typeface="+mn-lt"/>
-                <a:ea typeface="+mn-ea"/>
-                <a:cs typeface="+mn-cs"/>
-              </a:rPr>
-              <a:t>Indexed Views" in Chapter 15, “Implementing Indexes and Statistics.”</a:t>
-            </a:r>
+            <a:endParaRPr lang="en-US" dirty="0"/>
           </a:p>
         </p:txBody>
       </p:sp>
@@ -3052,7 +2967,7 @@
           <a:p>
             <a:fld id="{7AE90029-A909-AD4E-9775-A0D64990AD22}" type="slidenum">
               <a:rPr lang="en-US" smtClean="0"/>
-              <a:t>26</a:t>
+              <a:t>28</a:t>
             </a:fld>
             <a:endParaRPr lang="en-US"/>
           </a:p>
@@ -3061,7 +2976,7 @@
     </p:spTree>
     <p:extLst>
       <p:ext uri="{BB962C8B-B14F-4D97-AF65-F5344CB8AC3E}">
-        <p14:creationId xmlns:p14="http://schemas.microsoft.com/office/powerpoint/2010/main" val="2275822476"/>
+        <p14:creationId xmlns:p14="http://schemas.microsoft.com/office/powerpoint/2010/main" val="558121620"/>
       </p:ext>
     </p:extLst>
   </p:cSld>
@@ -3150,7 +3065,7 @@
     </p:spTree>
     <p:extLst>
       <p:ext uri="{BB962C8B-B14F-4D97-AF65-F5344CB8AC3E}">
-        <p14:creationId xmlns:p14="http://schemas.microsoft.com/office/powerpoint/2010/main" val="558121620"/>
+        <p14:creationId xmlns:p14="http://schemas.microsoft.com/office/powerpoint/2010/main" val="341238092"/>
       </p:ext>
     </p:extLst>
   </p:cSld>
@@ -3239,7 +3154,7 @@
     </p:spTree>
     <p:extLst>
       <p:ext uri="{BB962C8B-B14F-4D97-AF65-F5344CB8AC3E}">
-        <p14:creationId xmlns:p14="http://schemas.microsoft.com/office/powerpoint/2010/main" val="341238092"/>
+        <p14:creationId xmlns:p14="http://schemas.microsoft.com/office/powerpoint/2010/main" val="3794554599"/>
       </p:ext>
     </p:extLst>
   </p:cSld>
@@ -3328,7 +3243,7 @@
     </p:spTree>
     <p:extLst>
       <p:ext uri="{BB962C8B-B14F-4D97-AF65-F5344CB8AC3E}">
-        <p14:creationId xmlns:p14="http://schemas.microsoft.com/office/powerpoint/2010/main" val="3794554599"/>
+        <p14:creationId xmlns:p14="http://schemas.microsoft.com/office/powerpoint/2010/main" val="4071379185"/>
       </p:ext>
     </p:extLst>
   </p:cSld>
@@ -3417,7 +3332,7 @@
     </p:spTree>
     <p:extLst>
       <p:ext uri="{BB962C8B-B14F-4D97-AF65-F5344CB8AC3E}">
-        <p14:creationId xmlns:p14="http://schemas.microsoft.com/office/powerpoint/2010/main" val="4071379185"/>
+        <p14:creationId xmlns:p14="http://schemas.microsoft.com/office/powerpoint/2010/main" val="3870054185"/>
       </p:ext>
     </p:extLst>
   </p:cSld>
@@ -3506,7 +3421,7 @@
     </p:spTree>
     <p:extLst>
       <p:ext uri="{BB962C8B-B14F-4D97-AF65-F5344CB8AC3E}">
-        <p14:creationId xmlns:p14="http://schemas.microsoft.com/office/powerpoint/2010/main" val="3870054185"/>
+        <p14:creationId xmlns:p14="http://schemas.microsoft.com/office/powerpoint/2010/main" val="1911861927"/>
       </p:ext>
     </p:extLst>
   </p:cSld>
@@ -3586,7 +3501,7 @@
           <a:p>
             <a:fld id="{7AE90029-A909-AD4E-9775-A0D64990AD22}" type="slidenum">
               <a:rPr lang="en-US" smtClean="0"/>
-              <a:t>34</a:t>
+              <a:t>35</a:t>
             </a:fld>
             <a:endParaRPr lang="en-US"/>
           </a:p>
@@ -3595,7 +3510,7 @@
     </p:spTree>
     <p:extLst>
       <p:ext uri="{BB962C8B-B14F-4D97-AF65-F5344CB8AC3E}">
-        <p14:creationId xmlns:p14="http://schemas.microsoft.com/office/powerpoint/2010/main" val="1911861927"/>
+        <p14:creationId xmlns:p14="http://schemas.microsoft.com/office/powerpoint/2010/main" val="521140544"/>
       </p:ext>
     </p:extLst>
   </p:cSld>
@@ -3684,7 +3599,7 @@
     </p:spTree>
     <p:extLst>
       <p:ext uri="{BB962C8B-B14F-4D97-AF65-F5344CB8AC3E}">
-        <p14:creationId xmlns:p14="http://schemas.microsoft.com/office/powerpoint/2010/main" val="521140544"/>
+        <p14:creationId xmlns:p14="http://schemas.microsoft.com/office/powerpoint/2010/main" val="2791070929"/>
       </p:ext>
     </p:extLst>
   </p:cSld>
@@ -3879,7 +3794,7 @@
     </p:spTree>
     <p:extLst>
       <p:ext uri="{BB962C8B-B14F-4D97-AF65-F5344CB8AC3E}">
-        <p14:creationId xmlns:p14="http://schemas.microsoft.com/office/powerpoint/2010/main" val="2791070929"/>
+        <p14:creationId xmlns:p14="http://schemas.microsoft.com/office/powerpoint/2010/main" val="2355887791"/>
       </p:ext>
     </p:extLst>
   </p:cSld>
@@ -3938,95 +3853,6 @@
           <a:bodyPr/>
           <a:lstStyle/>
           <a:p>
-            <a:endParaRPr lang="en-US" dirty="0"/>
-          </a:p>
-        </p:txBody>
-      </p:sp>
-      <p:sp>
-        <p:nvSpPr>
-          <p:cNvPr id="4" name="Slide Number Placeholder 3"/>
-          <p:cNvSpPr>
-            <a:spLocks noGrp="1"/>
-          </p:cNvSpPr>
-          <p:nvPr>
-            <p:ph type="sldNum" sz="quarter" idx="10"/>
-          </p:nvPr>
-        </p:nvSpPr>
-        <p:spPr/>
-        <p:txBody>
-          <a:bodyPr/>
-          <a:lstStyle/>
-          <a:p>
-            <a:fld id="{7AE90029-A909-AD4E-9775-A0D64990AD22}" type="slidenum">
-              <a:rPr lang="en-US" smtClean="0"/>
-              <a:t>38</a:t>
-            </a:fld>
-            <a:endParaRPr lang="en-US"/>
-          </a:p>
-        </p:txBody>
-      </p:sp>
-    </p:spTree>
-    <p:extLst>
-      <p:ext uri="{BB962C8B-B14F-4D97-AF65-F5344CB8AC3E}">
-        <p14:creationId xmlns:p14="http://schemas.microsoft.com/office/powerpoint/2010/main" val="2355887791"/>
-      </p:ext>
-    </p:extLst>
-  </p:cSld>
-  <p:clrMapOvr>
-    <a:masterClrMapping/>
-  </p:clrMapOvr>
-</p:notes>
-</file>
-
-<file path=ppt/notesSlides/notesSlide32.xml><?xml version="1.0" encoding="utf-8"?>
-<p:notes xmlns:a="http://schemas.openxmlformats.org/drawingml/2006/main" xmlns:r="http://schemas.openxmlformats.org/officeDocument/2006/relationships" xmlns:p="http://schemas.openxmlformats.org/presentationml/2006/main">
-  <p:cSld>
-    <p:spTree>
-      <p:nvGrpSpPr>
-        <p:cNvPr id="1" name=""/>
-        <p:cNvGrpSpPr/>
-        <p:nvPr/>
-      </p:nvGrpSpPr>
-      <p:grpSpPr>
-        <a:xfrm>
-          <a:off x="0" y="0"/>
-          <a:ext cx="0" cy="0"/>
-          <a:chOff x="0" y="0"/>
-          <a:chExt cx="0" cy="0"/>
-        </a:xfrm>
-      </p:grpSpPr>
-      <p:sp>
-        <p:nvSpPr>
-          <p:cNvPr id="2" name="Slide Image Placeholder 1"/>
-          <p:cNvSpPr>
-            <a:spLocks noGrp="1" noRot="1" noChangeAspect="1"/>
-          </p:cNvSpPr>
-          <p:nvPr>
-            <p:ph type="sldImg"/>
-          </p:nvPr>
-        </p:nvSpPr>
-        <p:spPr>
-          <a:xfrm>
-            <a:off x="381000" y="685800"/>
-            <a:ext cx="6096000" cy="3429000"/>
-          </a:xfrm>
-        </p:spPr>
-      </p:sp>
-      <p:sp>
-        <p:nvSpPr>
-          <p:cNvPr id="3" name="Notes Placeholder 2"/>
-          <p:cNvSpPr>
-            <a:spLocks noGrp="1"/>
-          </p:cNvSpPr>
-          <p:nvPr>
-            <p:ph type="body" idx="1"/>
-          </p:nvPr>
-        </p:nvSpPr>
-        <p:spPr/>
-        <p:txBody>
-          <a:bodyPr/>
-          <a:lstStyle/>
-          <a:p>
             <a:pPr marL="0" marR="0" indent="0" algn="l" defTabSz="914400" rtl="0" eaLnBrk="1" fontAlgn="auto" latinLnBrk="0" hangingPunct="1">
               <a:lnSpc>
                 <a:spcPct val="100000"/>
@@ -4065,7 +3891,7 @@
           <a:p>
             <a:fld id="{7AE90029-A909-AD4E-9775-A0D64990AD22}" type="slidenum">
               <a:rPr lang="en-US" smtClean="0"/>
-              <a:t>40</a:t>
+              <a:t>39</a:t>
             </a:fld>
             <a:endParaRPr lang="en-US"/>
           </a:p>
@@ -18435,7 +18261,7 @@
           </a:ln>
           <a:extLst>
             <a:ext uri="{C572A759-6A51-4108-AA02-DFA0A04FC94B}">
-              <ma14:wrappingTextBoxFlag xmlns="" xmlns:ma14="http://schemas.microsoft.com/office/mac/drawingml/2011/main" val="1"/>
+              <ma14:wrappingTextBoxFlag xmlns:ma14="http://schemas.microsoft.com/office/mac/drawingml/2011/main" xmlns="" val="1"/>
             </a:ext>
           </a:extLst>
         </p:spPr>
@@ -25858,7 +25684,7 @@
           <a:p>
             <a:r>
               <a:rPr lang="en-US" dirty="0"/>
-              <a:t>November 14, 2021</a:t>
+              <a:t>November 30, 2021</a:t>
             </a:r>
           </a:p>
         </p:txBody>
@@ -30593,6 +30419,79 @@
       </p:sp>
       <p:sp>
         <p:nvSpPr>
+          <p:cNvPr id="2" name="Content Placeholder 1">
+            <a:extLst>
+              <a:ext uri="{FF2B5EF4-FFF2-40B4-BE49-F238E27FC236}">
+                <a16:creationId xmlns:a16="http://schemas.microsoft.com/office/drawing/2014/main" id="{59976434-5A94-4983-B9B3-86E8C6457F97}"/>
+              </a:ext>
+            </a:extLst>
+          </p:cNvPr>
+          <p:cNvSpPr>
+            <a:spLocks noGrp="1"/>
+          </p:cNvSpPr>
+          <p:nvPr>
+            <p:ph sz="quarter" idx="10"/>
+          </p:nvPr>
+        </p:nvSpPr>
+        <p:spPr/>
+        <p:txBody>
+          <a:bodyPr/>
+          <a:lstStyle/>
+          <a:p>
+            <a:pPr>
+              <a:buClr>
+                <a:schemeClr val="accent2"/>
+              </a:buClr>
+            </a:pPr>
+            <a:r>
+              <a:rPr lang="en-US" sz="1600" dirty="0">
+                <a:solidFill>
+                  <a:srgbClr val="444444"/>
+                </a:solidFill>
+                <a:latin typeface="+mn-lt"/>
+                <a:ea typeface="ＭＳ Ｐゴシック" pitchFamily="34" charset="-128"/>
+              </a:rPr>
+              <a:t>Only with direct reference to column</a:t>
+            </a:r>
+          </a:p>
+          <a:p>
+            <a:pPr>
+              <a:buClr>
+                <a:schemeClr val="accent2"/>
+              </a:buClr>
+            </a:pPr>
+            <a:r>
+              <a:rPr lang="en-US" sz="1600" dirty="0">
+                <a:solidFill>
+                  <a:srgbClr val="444444"/>
+                </a:solidFill>
+                <a:latin typeface="+mn-lt"/>
+                <a:ea typeface="ＭＳ Ｐゴシック" pitchFamily="34" charset="-128"/>
+              </a:rPr>
+              <a:t>WITH CHECK OPTION</a:t>
+            </a:r>
+          </a:p>
+          <a:p>
+            <a:pPr>
+              <a:buClr>
+                <a:schemeClr val="accent2"/>
+              </a:buClr>
+            </a:pPr>
+            <a:endParaRPr lang="en-US" sz="1600" dirty="0">
+              <a:solidFill>
+                <a:srgbClr val="444444"/>
+              </a:solidFill>
+              <a:latin typeface="+mn-lt"/>
+              <a:ea typeface="ＭＳ Ｐゴシック" pitchFamily="34" charset="-128"/>
+            </a:endParaRPr>
+          </a:p>
+          <a:p>
+            <a:endParaRPr lang="en-US" sz="1600" b="1" dirty="0"/>
+          </a:p>
+        </p:txBody>
+      </p:sp>
+      <p:sp>
+        <p:nvSpPr>
           <p:cNvPr id="7" name="Text Placeholder 6">
             <a:extLst>
               <a:ext uri="{FF2B5EF4-FFF2-40B4-BE49-F238E27FC236}">
@@ -30614,17 +30513,17 @@
           <a:p>
             <a:r>
               <a:rPr lang="en-US" dirty="0"/>
-              <a:t>Partitioned Views</a:t>
+              <a:t>Modifying Data Through a View</a:t>
             </a:r>
           </a:p>
         </p:txBody>
       </p:sp>
       <p:sp>
         <p:nvSpPr>
-          <p:cNvPr id="2" name="Slide Number Placeholder 1">
+          <p:cNvPr id="3" name="Slide Number Placeholder 2">
             <a:extLst>
               <a:ext uri="{FF2B5EF4-FFF2-40B4-BE49-F238E27FC236}">
-                <a16:creationId xmlns:a16="http://schemas.microsoft.com/office/drawing/2014/main" id="{7B730145-03B8-4778-B7B2-59F9D25E61B7}"/>
+                <a16:creationId xmlns:a16="http://schemas.microsoft.com/office/drawing/2014/main" id="{7C6A0066-E8B6-4D75-AAD3-40D9DFCB7737}"/>
               </a:ext>
             </a:extLst>
           </p:cNvPr>
@@ -30711,7 +30610,7 @@
     </p:spTree>
     <p:extLst>
       <p:ext uri="{BB962C8B-B14F-4D97-AF65-F5344CB8AC3E}">
-        <p14:creationId xmlns:p14="http://schemas.microsoft.com/office/powerpoint/2010/main" val="1450835321"/>
+        <p14:creationId xmlns:p14="http://schemas.microsoft.com/office/powerpoint/2010/main" val="1570431723"/>
       </p:ext>
     </p:extLst>
   </p:cSld>
@@ -30722,255 +30621,6 @@
 </file>
 
 <file path=ppt/slides/slide26.xml><?xml version="1.0" encoding="utf-8"?>
-<p:sld xmlns:a="http://schemas.openxmlformats.org/drawingml/2006/main" xmlns:r="http://schemas.openxmlformats.org/officeDocument/2006/relationships" xmlns:p="http://schemas.openxmlformats.org/presentationml/2006/main">
-  <p:cSld>
-    <p:spTree>
-      <p:nvGrpSpPr>
-        <p:cNvPr id="1" name=""/>
-        <p:cNvGrpSpPr/>
-        <p:nvPr/>
-      </p:nvGrpSpPr>
-      <p:grpSpPr>
-        <a:xfrm>
-          <a:off x="0" y="0"/>
-          <a:ext cx="0" cy="0"/>
-          <a:chOff x="0" y="0"/>
-          <a:chExt cx="0" cy="0"/>
-        </a:xfrm>
-      </p:grpSpPr>
-      <p:sp>
-        <p:nvSpPr>
-          <p:cNvPr id="4" name="Title 3">
-            <a:extLst>
-              <a:ext uri="{FF2B5EF4-FFF2-40B4-BE49-F238E27FC236}">
-                <a16:creationId xmlns:a16="http://schemas.microsoft.com/office/drawing/2014/main" id="{3EB60BCE-7DF2-439F-BC3F-095A87F5FF48}"/>
-              </a:ext>
-            </a:extLst>
-          </p:cNvPr>
-          <p:cNvSpPr>
-            <a:spLocks noGrp="1"/>
-          </p:cNvSpPr>
-          <p:nvPr>
-            <p:ph type="title"/>
-          </p:nvPr>
-        </p:nvSpPr>
-        <p:spPr/>
-        <p:txBody>
-          <a:bodyPr/>
-          <a:lstStyle/>
-          <a:p>
-            <a:r>
-              <a:rPr lang="en-US" sz="2000" dirty="0"/>
-              <a:t>Designing and Implementing Views</a:t>
-            </a:r>
-            <a:endParaRPr lang="en-US" dirty="0"/>
-          </a:p>
-        </p:txBody>
-      </p:sp>
-      <p:sp>
-        <p:nvSpPr>
-          <p:cNvPr id="2" name="Content Placeholder 1">
-            <a:extLst>
-              <a:ext uri="{FF2B5EF4-FFF2-40B4-BE49-F238E27FC236}">
-                <a16:creationId xmlns:a16="http://schemas.microsoft.com/office/drawing/2014/main" id="{59976434-5A94-4983-B9B3-86E8C6457F97}"/>
-              </a:ext>
-            </a:extLst>
-          </p:cNvPr>
-          <p:cNvSpPr>
-            <a:spLocks noGrp="1"/>
-          </p:cNvSpPr>
-          <p:nvPr>
-            <p:ph sz="quarter" idx="10"/>
-          </p:nvPr>
-        </p:nvSpPr>
-        <p:spPr/>
-        <p:txBody>
-          <a:bodyPr/>
-          <a:lstStyle/>
-          <a:p>
-            <a:pPr>
-              <a:buClr>
-                <a:schemeClr val="accent2"/>
-              </a:buClr>
-            </a:pPr>
-            <a:r>
-              <a:rPr lang="en-US" sz="1600" dirty="0">
-                <a:solidFill>
-                  <a:srgbClr val="444444"/>
-                </a:solidFill>
-                <a:latin typeface="+mn-lt"/>
-                <a:ea typeface="ＭＳ Ｐゴシック" pitchFamily="34" charset="-128"/>
-              </a:rPr>
-              <a:t>Only with direct reference to column</a:t>
-            </a:r>
-          </a:p>
-          <a:p>
-            <a:pPr>
-              <a:buClr>
-                <a:schemeClr val="accent2"/>
-              </a:buClr>
-            </a:pPr>
-            <a:r>
-              <a:rPr lang="en-US" sz="1600" dirty="0">
-                <a:solidFill>
-                  <a:srgbClr val="444444"/>
-                </a:solidFill>
-                <a:latin typeface="+mn-lt"/>
-                <a:ea typeface="ＭＳ Ｐゴシック" pitchFamily="34" charset="-128"/>
-              </a:rPr>
-              <a:t>WITH CHECK OPTION</a:t>
-            </a:r>
-          </a:p>
-          <a:p>
-            <a:pPr>
-              <a:buClr>
-                <a:schemeClr val="accent2"/>
-              </a:buClr>
-            </a:pPr>
-            <a:endParaRPr lang="en-US" sz="1600" dirty="0">
-              <a:solidFill>
-                <a:srgbClr val="444444"/>
-              </a:solidFill>
-              <a:latin typeface="+mn-lt"/>
-              <a:ea typeface="ＭＳ Ｐゴシック" pitchFamily="34" charset="-128"/>
-            </a:endParaRPr>
-          </a:p>
-          <a:p>
-            <a:endParaRPr lang="en-US" sz="1600" b="1" dirty="0"/>
-          </a:p>
-        </p:txBody>
-      </p:sp>
-      <p:sp>
-        <p:nvSpPr>
-          <p:cNvPr id="7" name="Text Placeholder 6">
-            <a:extLst>
-              <a:ext uri="{FF2B5EF4-FFF2-40B4-BE49-F238E27FC236}">
-                <a16:creationId xmlns:a16="http://schemas.microsoft.com/office/drawing/2014/main" id="{A57536C6-1668-4A01-BC6A-6796D99442B2}"/>
-              </a:ext>
-            </a:extLst>
-          </p:cNvPr>
-          <p:cNvSpPr>
-            <a:spLocks noGrp="1"/>
-          </p:cNvSpPr>
-          <p:nvPr>
-            <p:ph type="body" sz="quarter" idx="11"/>
-          </p:nvPr>
-        </p:nvSpPr>
-        <p:spPr/>
-        <p:txBody>
-          <a:bodyPr/>
-          <a:lstStyle/>
-          <a:p>
-            <a:r>
-              <a:rPr lang="en-US" dirty="0"/>
-              <a:t>Modifying Data Through a View</a:t>
-            </a:r>
-          </a:p>
-        </p:txBody>
-      </p:sp>
-      <p:sp>
-        <p:nvSpPr>
-          <p:cNvPr id="3" name="Slide Number Placeholder 2">
-            <a:extLst>
-              <a:ext uri="{FF2B5EF4-FFF2-40B4-BE49-F238E27FC236}">
-                <a16:creationId xmlns:a16="http://schemas.microsoft.com/office/drawing/2014/main" id="{7C6A0066-E8B6-4D75-AAD3-40D9DFCB7737}"/>
-              </a:ext>
-            </a:extLst>
-          </p:cNvPr>
-          <p:cNvSpPr>
-            <a:spLocks noGrp="1"/>
-          </p:cNvSpPr>
-          <p:nvPr>
-            <p:ph type="sldNum" sz="quarter" idx="4"/>
-          </p:nvPr>
-        </p:nvSpPr>
-        <p:spPr/>
-        <p:txBody>
-          <a:bodyPr/>
-          <a:lstStyle/>
-          <a:p>
-            <a:pPr marL="0" marR="0" lvl="0" indent="0" algn="r" defTabSz="342900" rtl="0" eaLnBrk="1" fontAlgn="auto" latinLnBrk="0" hangingPunct="1">
-              <a:lnSpc>
-                <a:spcPct val="100000"/>
-              </a:lnSpc>
-              <a:spcBef>
-                <a:spcPts val="0"/>
-              </a:spcBef>
-              <a:spcAft>
-                <a:spcPts val="0"/>
-              </a:spcAft>
-              <a:buClrTx/>
-              <a:buSzTx/>
-              <a:buFontTx/>
-              <a:buNone/>
-              <a:tabLst/>
-              <a:defRPr/>
-            </a:pPr>
-            <a:fld id="{3A707DD9-E92B-45E8-BE0A-E6B2EDF345EB}" type="slidenum">
-              <a:rPr kumimoji="0" lang="en-US" sz="800" b="1" i="0" u="none" strike="noStrike" kern="1200" cap="none" spc="0" normalizeH="0" baseline="0" noProof="0" smtClean="0">
-                <a:ln>
-                  <a:noFill/>
-                </a:ln>
-                <a:solidFill>
-                  <a:srgbClr val="FEFEFE"/>
-                </a:solidFill>
-                <a:effectLst/>
-                <a:uLnTx/>
-                <a:uFillTx/>
-                <a:latin typeface="Calibri Light"/>
-                <a:ea typeface="+mn-ea"/>
-                <a:cs typeface="+mn-cs"/>
-              </a:rPr>
-              <a:pPr marL="0" marR="0" lvl="0" indent="0" algn="r" defTabSz="342900" rtl="0" eaLnBrk="1" fontAlgn="auto" latinLnBrk="0" hangingPunct="1">
-                <a:lnSpc>
-                  <a:spcPct val="100000"/>
-                </a:lnSpc>
-                <a:spcBef>
-                  <a:spcPts val="0"/>
-                </a:spcBef>
-                <a:spcAft>
-                  <a:spcPts val="0"/>
-                </a:spcAft>
-                <a:buClrTx/>
-                <a:buSzTx/>
-                <a:buFontTx/>
-                <a:buNone/>
-                <a:tabLst/>
-                <a:defRPr/>
-              </a:pPr>
-              <a:t>26</a:t>
-            </a:fld>
-            <a:endParaRPr kumimoji="0" lang="en-US" sz="800" b="1" i="0" u="none" strike="noStrike" kern="1200" cap="none" spc="0" normalizeH="0" baseline="0" noProof="0" dirty="0">
-              <a:ln>
-                <a:noFill/>
-              </a:ln>
-              <a:solidFill>
-                <a:srgbClr val="FEFEFE"/>
-              </a:solidFill>
-              <a:effectLst/>
-              <a:uLnTx/>
-              <a:uFillTx/>
-              <a:latin typeface="Calibri Light"/>
-              <a:ea typeface="+mn-ea"/>
-              <a:cs typeface="+mn-cs"/>
-            </a:endParaRPr>
-          </a:p>
-        </p:txBody>
-      </p:sp>
-    </p:spTree>
-    <p:extLst>
-      <p:ext uri="{BB962C8B-B14F-4D97-AF65-F5344CB8AC3E}">
-        <p14:creationId xmlns:p14="http://schemas.microsoft.com/office/powerpoint/2010/main" val="1570431723"/>
-      </p:ext>
-    </p:extLst>
-  </p:cSld>
-  <p:clrMapOvr>
-    <a:masterClrMapping/>
-  </p:clrMapOvr>
-</p:sld>
-</file>
-
-<file path=ppt/slides/slide27.xml><?xml version="1.0" encoding="utf-8"?>
 <p:sld xmlns:a="http://schemas.openxmlformats.org/drawingml/2006/main" xmlns:r="http://schemas.openxmlformats.org/officeDocument/2006/relationships" xmlns:p="http://schemas.openxmlformats.org/presentationml/2006/main">
   <p:cSld>
     <p:spTree>
@@ -31086,7 +30736,7 @@
                 <a:tabLst/>
                 <a:defRPr/>
               </a:pPr>
-              <a:t>27</a:t>
+              <a:t>26</a:t>
             </a:fld>
             <a:endParaRPr kumimoji="0" lang="en-US" sz="800" b="1" i="0" u="none" strike="noStrike" kern="1200" cap="none" spc="0" normalizeH="0" baseline="0" noProof="0" dirty="0">
               <a:ln>
@@ -31277,7 +30927,7 @@
 </p:sld>
 </file>
 
-<file path=ppt/slides/slide28.xml><?xml version="1.0" encoding="utf-8"?>
+<file path=ppt/slides/slide27.xml><?xml version="1.0" encoding="utf-8"?>
 <p:sld xmlns:a="http://schemas.openxmlformats.org/drawingml/2006/main" xmlns:r="http://schemas.openxmlformats.org/officeDocument/2006/relationships" xmlns:p="http://schemas.openxmlformats.org/presentationml/2006/main">
   <p:cSld>
     <p:spTree>
@@ -31335,7 +30985,7 @@
 </p:sld>
 </file>
 
-<file path=ppt/slides/slide29.xml><?xml version="1.0" encoding="utf-8"?>
+<file path=ppt/slides/slide28.xml><?xml version="1.0" encoding="utf-8"?>
 <p:sld xmlns:a="http://schemas.openxmlformats.org/drawingml/2006/main" xmlns:r="http://schemas.openxmlformats.org/officeDocument/2006/relationships" xmlns:p="http://schemas.openxmlformats.org/presentationml/2006/main">
   <p:cSld>
     <p:spTree>
@@ -31742,6 +31392,442 @@
                 <a:tabLst/>
                 <a:defRPr/>
               </a:pPr>
+              <a:t>28</a:t>
+            </a:fld>
+            <a:endParaRPr kumimoji="0" lang="en-US" sz="800" b="1" i="0" u="none" strike="noStrike" kern="1200" cap="none" spc="0" normalizeH="0" baseline="0" noProof="0" dirty="0">
+              <a:ln>
+                <a:noFill/>
+              </a:ln>
+              <a:solidFill>
+                <a:srgbClr val="FEFEFE"/>
+              </a:solidFill>
+              <a:effectLst/>
+              <a:uLnTx/>
+              <a:uFillTx/>
+              <a:latin typeface="Calibri Light"/>
+              <a:ea typeface="+mn-ea"/>
+              <a:cs typeface="+mn-cs"/>
+            </a:endParaRPr>
+          </a:p>
+        </p:txBody>
+      </p:sp>
+    </p:spTree>
+    <p:extLst>
+      <p:ext uri="{BB962C8B-B14F-4D97-AF65-F5344CB8AC3E}">
+        <p14:creationId xmlns:p14="http://schemas.microsoft.com/office/powerpoint/2010/main" val="582666082"/>
+      </p:ext>
+    </p:extLst>
+  </p:cSld>
+  <p:clrMapOvr>
+    <a:masterClrMapping/>
+  </p:clrMapOvr>
+</p:sld>
+</file>
+
+<file path=ppt/slides/slide29.xml><?xml version="1.0" encoding="utf-8"?>
+<p:sld xmlns:a="http://schemas.openxmlformats.org/drawingml/2006/main" xmlns:r="http://schemas.openxmlformats.org/officeDocument/2006/relationships" xmlns:p="http://schemas.openxmlformats.org/presentationml/2006/main">
+  <p:cSld>
+    <p:spTree>
+      <p:nvGrpSpPr>
+        <p:cNvPr id="1" name=""/>
+        <p:cNvGrpSpPr/>
+        <p:nvPr/>
+      </p:nvGrpSpPr>
+      <p:grpSpPr>
+        <a:xfrm>
+          <a:off x="0" y="0"/>
+          <a:ext cx="0" cy="0"/>
+          <a:chOff x="0" y="0"/>
+          <a:chExt cx="0" cy="0"/>
+        </a:xfrm>
+      </p:grpSpPr>
+      <p:sp>
+        <p:nvSpPr>
+          <p:cNvPr id="6" name="Content Placeholder 2"/>
+          <p:cNvSpPr txBox="1">
+            <a:spLocks/>
+          </p:cNvSpPr>
+          <p:nvPr/>
+        </p:nvSpPr>
+        <p:spPr>
+          <a:xfrm>
+            <a:off x="357188" y="1527468"/>
+            <a:ext cx="8429625" cy="3061157"/>
+          </a:xfrm>
+          <a:prstGeom prst="rect">
+            <a:avLst/>
+          </a:prstGeom>
+        </p:spPr>
+        <p:txBody>
+          <a:bodyPr/>
+          <a:lstStyle>
+            <a:lvl1pPr marL="257175" indent="-257175" algn="l" defTabSz="342900" rtl="0" eaLnBrk="1" latinLnBrk="0" hangingPunct="1">
+              <a:spcBef>
+                <a:spcPct val="20000"/>
+              </a:spcBef>
+              <a:buFont typeface="Arial"/>
+              <a:buChar char="•"/>
+              <a:defRPr sz="2400" kern="1200">
+                <a:solidFill>
+                  <a:schemeClr val="tx1"/>
+                </a:solidFill>
+                <a:latin typeface="+mn-lt"/>
+                <a:ea typeface="+mn-ea"/>
+                <a:cs typeface="+mn-cs"/>
+              </a:defRPr>
+            </a:lvl1pPr>
+            <a:lvl2pPr marL="557213" indent="-214313" algn="l" defTabSz="342900" rtl="0" eaLnBrk="1" latinLnBrk="0" hangingPunct="1">
+              <a:spcBef>
+                <a:spcPct val="20000"/>
+              </a:spcBef>
+              <a:buFont typeface="Arial"/>
+              <a:buChar char="–"/>
+              <a:defRPr sz="2100" kern="1200">
+                <a:solidFill>
+                  <a:schemeClr val="tx1"/>
+                </a:solidFill>
+                <a:latin typeface="+mn-lt"/>
+                <a:ea typeface="+mn-ea"/>
+                <a:cs typeface="+mn-cs"/>
+              </a:defRPr>
+            </a:lvl2pPr>
+            <a:lvl3pPr marL="857250" indent="-171450" algn="l" defTabSz="342900" rtl="0" eaLnBrk="1" latinLnBrk="0" hangingPunct="1">
+              <a:spcBef>
+                <a:spcPct val="20000"/>
+              </a:spcBef>
+              <a:buFont typeface="Arial"/>
+              <a:buChar char="•"/>
+              <a:defRPr sz="1800" kern="1200">
+                <a:solidFill>
+                  <a:schemeClr val="tx1"/>
+                </a:solidFill>
+                <a:latin typeface="+mn-lt"/>
+                <a:ea typeface="+mn-ea"/>
+                <a:cs typeface="+mn-cs"/>
+              </a:defRPr>
+            </a:lvl3pPr>
+            <a:lvl4pPr marL="1200150" indent="-171450" algn="l" defTabSz="342900" rtl="0" eaLnBrk="1" latinLnBrk="0" hangingPunct="1">
+              <a:spcBef>
+                <a:spcPct val="20000"/>
+              </a:spcBef>
+              <a:buFont typeface="Arial"/>
+              <a:buChar char="–"/>
+              <a:defRPr sz="1500" kern="1200">
+                <a:solidFill>
+                  <a:schemeClr val="tx1"/>
+                </a:solidFill>
+                <a:latin typeface="+mn-lt"/>
+                <a:ea typeface="+mn-ea"/>
+                <a:cs typeface="+mn-cs"/>
+              </a:defRPr>
+            </a:lvl4pPr>
+            <a:lvl5pPr marL="1543050" indent="-171450" algn="l" defTabSz="342900" rtl="0" eaLnBrk="1" latinLnBrk="0" hangingPunct="1">
+              <a:spcBef>
+                <a:spcPct val="20000"/>
+              </a:spcBef>
+              <a:buFont typeface="Arial"/>
+              <a:buChar char="»"/>
+              <a:defRPr sz="1500" kern="1200">
+                <a:solidFill>
+                  <a:schemeClr val="tx1"/>
+                </a:solidFill>
+                <a:latin typeface="+mn-lt"/>
+                <a:ea typeface="+mn-ea"/>
+                <a:cs typeface="+mn-cs"/>
+              </a:defRPr>
+            </a:lvl5pPr>
+            <a:lvl6pPr marL="1885950" indent="-171450" algn="l" defTabSz="342900" rtl="0" eaLnBrk="1" latinLnBrk="0" hangingPunct="1">
+              <a:spcBef>
+                <a:spcPct val="20000"/>
+              </a:spcBef>
+              <a:buFont typeface="Arial"/>
+              <a:buChar char="•"/>
+              <a:defRPr sz="1500" kern="1200">
+                <a:solidFill>
+                  <a:schemeClr val="tx1"/>
+                </a:solidFill>
+                <a:latin typeface="+mn-lt"/>
+                <a:ea typeface="+mn-ea"/>
+                <a:cs typeface="+mn-cs"/>
+              </a:defRPr>
+            </a:lvl6pPr>
+            <a:lvl7pPr marL="2228850" indent="-171450" algn="l" defTabSz="342900" rtl="0" eaLnBrk="1" latinLnBrk="0" hangingPunct="1">
+              <a:spcBef>
+                <a:spcPct val="20000"/>
+              </a:spcBef>
+              <a:buFont typeface="Arial"/>
+              <a:buChar char="•"/>
+              <a:defRPr sz="1500" kern="1200">
+                <a:solidFill>
+                  <a:schemeClr val="tx1"/>
+                </a:solidFill>
+                <a:latin typeface="+mn-lt"/>
+                <a:ea typeface="+mn-ea"/>
+                <a:cs typeface="+mn-cs"/>
+              </a:defRPr>
+            </a:lvl7pPr>
+            <a:lvl8pPr marL="2571750" indent="-171450" algn="l" defTabSz="342900" rtl="0" eaLnBrk="1" latinLnBrk="0" hangingPunct="1">
+              <a:spcBef>
+                <a:spcPct val="20000"/>
+              </a:spcBef>
+              <a:buFont typeface="Arial"/>
+              <a:buChar char="•"/>
+              <a:defRPr sz="1500" kern="1200">
+                <a:solidFill>
+                  <a:schemeClr val="tx1"/>
+                </a:solidFill>
+                <a:latin typeface="+mn-lt"/>
+                <a:ea typeface="+mn-ea"/>
+                <a:cs typeface="+mn-cs"/>
+              </a:defRPr>
+            </a:lvl8pPr>
+            <a:lvl9pPr marL="2914650" indent="-171450" algn="l" defTabSz="342900" rtl="0" eaLnBrk="1" latinLnBrk="0" hangingPunct="1">
+              <a:spcBef>
+                <a:spcPct val="20000"/>
+              </a:spcBef>
+              <a:buFont typeface="Arial"/>
+              <a:buChar char="•"/>
+              <a:defRPr sz="1500" kern="1200">
+                <a:solidFill>
+                  <a:schemeClr val="tx1"/>
+                </a:solidFill>
+                <a:latin typeface="+mn-lt"/>
+                <a:ea typeface="+mn-ea"/>
+                <a:cs typeface="+mn-cs"/>
+              </a:defRPr>
+            </a:lvl9pPr>
+          </a:lstStyle>
+          <a:p>
+            <a:pPr marL="173736" lvl="2" indent="-173736">
+              <a:lnSpc>
+                <a:spcPct val="110000"/>
+              </a:lnSpc>
+              <a:spcBef>
+                <a:spcPts val="0"/>
+              </a:spcBef>
+              <a:spcAft>
+                <a:spcPts val="1300"/>
+              </a:spcAft>
+              <a:buClr>
+                <a:srgbClr val="2FC2D9"/>
+              </a:buClr>
+              <a:defRPr/>
+            </a:pPr>
+            <a:r>
+              <a:rPr lang="en-US" dirty="0"/>
+              <a:t>Can</a:t>
+            </a:r>
+          </a:p>
+          <a:p>
+            <a:pPr marL="516636" lvl="3" indent="-173736">
+              <a:lnSpc>
+                <a:spcPct val="110000"/>
+              </a:lnSpc>
+              <a:spcBef>
+                <a:spcPts val="0"/>
+              </a:spcBef>
+              <a:spcAft>
+                <a:spcPts val="1300"/>
+              </a:spcAft>
+              <a:buClr>
+                <a:srgbClr val="2FC2D9"/>
+              </a:buClr>
+              <a:defRPr/>
+            </a:pPr>
+            <a:r>
+              <a:rPr lang="en-US" dirty="0"/>
+              <a:t>accept parameters</a:t>
+            </a:r>
+          </a:p>
+          <a:p>
+            <a:pPr marL="516636" lvl="3" indent="-173736">
+              <a:lnSpc>
+                <a:spcPct val="110000"/>
+              </a:lnSpc>
+              <a:spcBef>
+                <a:spcPts val="0"/>
+              </a:spcBef>
+              <a:spcAft>
+                <a:spcPts val="1300"/>
+              </a:spcAft>
+              <a:buClr>
+                <a:srgbClr val="2FC2D9"/>
+              </a:buClr>
+              <a:defRPr/>
+            </a:pPr>
+            <a:r>
+              <a:rPr lang="en-US" dirty="0"/>
+              <a:t>embedded in T-SQL statements</a:t>
+            </a:r>
+          </a:p>
+          <a:p>
+            <a:pPr marL="516636" lvl="3" indent="-173736">
+              <a:lnSpc>
+                <a:spcPct val="110000"/>
+              </a:lnSpc>
+              <a:spcBef>
+                <a:spcPts val="0"/>
+              </a:spcBef>
+              <a:spcAft>
+                <a:spcPts val="1300"/>
+              </a:spcAft>
+              <a:buClr>
+                <a:srgbClr val="2FC2D9"/>
+              </a:buClr>
+              <a:defRPr/>
+            </a:pPr>
+            <a:r>
+              <a:rPr lang="en-US" dirty="0"/>
+              <a:t>access SQL Server data</a:t>
+            </a:r>
+          </a:p>
+          <a:p>
+            <a:pPr marL="516636" lvl="3" indent="-173736">
+              <a:lnSpc>
+                <a:spcPct val="110000"/>
+              </a:lnSpc>
+              <a:spcBef>
+                <a:spcPts val="0"/>
+              </a:spcBef>
+              <a:spcAft>
+                <a:spcPts val="1300"/>
+              </a:spcAft>
+              <a:buClr>
+                <a:srgbClr val="2FC2D9"/>
+              </a:buClr>
+              <a:defRPr/>
+            </a:pPr>
+            <a:endParaRPr lang="en-US" dirty="0"/>
+          </a:p>
+        </p:txBody>
+      </p:sp>
+      <p:sp>
+        <p:nvSpPr>
+          <p:cNvPr id="5" name="Title 4">
+            <a:extLst>
+              <a:ext uri="{FF2B5EF4-FFF2-40B4-BE49-F238E27FC236}">
+                <a16:creationId xmlns:a16="http://schemas.microsoft.com/office/drawing/2014/main" id="{4CAEDB53-DA6A-45A6-A95F-EE6116957CDE}"/>
+              </a:ext>
+            </a:extLst>
+          </p:cNvPr>
+          <p:cNvSpPr>
+            <a:spLocks noGrp="1"/>
+          </p:cNvSpPr>
+          <p:nvPr>
+            <p:ph type="title"/>
+          </p:nvPr>
+        </p:nvSpPr>
+        <p:spPr/>
+        <p:txBody>
+          <a:bodyPr/>
+          <a:lstStyle/>
+          <a:p>
+            <a:r>
+              <a:rPr lang="en-US" dirty="0"/>
+              <a:t>Implementing User-Defined Functions</a:t>
+            </a:r>
+          </a:p>
+        </p:txBody>
+      </p:sp>
+      <p:sp>
+        <p:nvSpPr>
+          <p:cNvPr id="8" name="Text Placeholder 7">
+            <a:extLst>
+              <a:ext uri="{FF2B5EF4-FFF2-40B4-BE49-F238E27FC236}">
+                <a16:creationId xmlns:a16="http://schemas.microsoft.com/office/drawing/2014/main" id="{B7D395CB-A75F-4204-87B2-3D50C0195320}"/>
+              </a:ext>
+            </a:extLst>
+          </p:cNvPr>
+          <p:cNvSpPr>
+            <a:spLocks noGrp="1"/>
+          </p:cNvSpPr>
+          <p:nvPr>
+            <p:ph type="body" sz="quarter" idx="11"/>
+          </p:nvPr>
+        </p:nvSpPr>
+        <p:spPr/>
+        <p:txBody>
+          <a:bodyPr/>
+          <a:lstStyle/>
+          <a:p>
+            <a:r>
+              <a:rPr lang="en-US" sz="1200" dirty="0"/>
+              <a:t>Understanding User-Defined Functions</a:t>
+            </a:r>
+            <a:endParaRPr lang="en-US" sz="1200" b="1" dirty="0"/>
+          </a:p>
+        </p:txBody>
+      </p:sp>
+      <p:sp>
+        <p:nvSpPr>
+          <p:cNvPr id="9" name="Slide Number Placeholder 8">
+            <a:extLst>
+              <a:ext uri="{FF2B5EF4-FFF2-40B4-BE49-F238E27FC236}">
+                <a16:creationId xmlns:a16="http://schemas.microsoft.com/office/drawing/2014/main" id="{626FC851-6C4A-4EA5-B1AE-36EEC4ED5D06}"/>
+              </a:ext>
+            </a:extLst>
+          </p:cNvPr>
+          <p:cNvSpPr>
+            <a:spLocks noGrp="1"/>
+          </p:cNvSpPr>
+          <p:nvPr>
+            <p:ph type="sldNum" sz="quarter" idx="4"/>
+          </p:nvPr>
+        </p:nvSpPr>
+        <p:spPr/>
+        <p:txBody>
+          <a:bodyPr/>
+          <a:lstStyle/>
+          <a:p>
+            <a:pPr marL="0" marR="0" lvl="0" indent="0" algn="r" defTabSz="342900" rtl="0" eaLnBrk="1" fontAlgn="auto" latinLnBrk="0" hangingPunct="1">
+              <a:lnSpc>
+                <a:spcPct val="100000"/>
+              </a:lnSpc>
+              <a:spcBef>
+                <a:spcPts val="0"/>
+              </a:spcBef>
+              <a:spcAft>
+                <a:spcPts val="0"/>
+              </a:spcAft>
+              <a:buClrTx/>
+              <a:buSzTx/>
+              <a:buFontTx/>
+              <a:buNone/>
+              <a:tabLst/>
+              <a:defRPr/>
+            </a:pPr>
+            <a:fld id="{3A707DD9-E92B-45E8-BE0A-E6B2EDF345EB}" type="slidenum">
+              <a:rPr kumimoji="0" lang="en-US" sz="800" b="1" i="0" u="none" strike="noStrike" kern="1200" cap="none" spc="0" normalizeH="0" baseline="0" noProof="0" smtClean="0">
+                <a:ln>
+                  <a:noFill/>
+                </a:ln>
+                <a:solidFill>
+                  <a:srgbClr val="FEFEFE"/>
+                </a:solidFill>
+                <a:effectLst/>
+                <a:uLnTx/>
+                <a:uFillTx/>
+                <a:latin typeface="Calibri Light"/>
+                <a:ea typeface="+mn-ea"/>
+                <a:cs typeface="+mn-cs"/>
+              </a:rPr>
+              <a:pPr marL="0" marR="0" lvl="0" indent="0" algn="r" defTabSz="342900" rtl="0" eaLnBrk="1" fontAlgn="auto" latinLnBrk="0" hangingPunct="1">
+                <a:lnSpc>
+                  <a:spcPct val="100000"/>
+                </a:lnSpc>
+                <a:spcBef>
+                  <a:spcPts val="0"/>
+                </a:spcBef>
+                <a:spcAft>
+                  <a:spcPts val="0"/>
+                </a:spcAft>
+                <a:buClrTx/>
+                <a:buSzTx/>
+                <a:buFontTx/>
+                <a:buNone/>
+                <a:tabLst/>
+                <a:defRPr/>
+              </a:pPr>
               <a:t>29</a:t>
             </a:fld>
             <a:endParaRPr kumimoji="0" lang="en-US" sz="800" b="1" i="0" u="none" strike="noStrike" kern="1200" cap="none" spc="0" normalizeH="0" baseline="0" noProof="0" dirty="0">
@@ -31764,7 +31850,7 @@
     </p:spTree>
     <p:extLst>
       <p:ext uri="{BB962C8B-B14F-4D97-AF65-F5344CB8AC3E}">
-        <p14:creationId xmlns:p14="http://schemas.microsoft.com/office/powerpoint/2010/main" val="582666082"/>
+        <p14:creationId xmlns:p14="http://schemas.microsoft.com/office/powerpoint/2010/main" val="2804886930"/>
       </p:ext>
     </p:extLst>
   </p:cSld>
@@ -31859,7 +31945,7 @@
       </p:grpSpPr>
       <p:sp>
         <p:nvSpPr>
-          <p:cNvPr id="6" name="Content Placeholder 2"/>
+          <p:cNvPr id="4" name="Content Placeholder 2"/>
           <p:cNvSpPr txBox="1">
             <a:spLocks/>
           </p:cNvSpPr>
@@ -31867,8 +31953,8 @@
         </p:nvSpPr>
         <p:spPr>
           <a:xfrm>
-            <a:off x="357188" y="1527468"/>
-            <a:ext cx="8429625" cy="3061157"/>
+            <a:off x="360364" y="1079500"/>
+            <a:ext cx="8426449" cy="3397250"/>
           </a:xfrm>
           <a:prstGeom prst="rect">
             <a:avLst/>
@@ -32031,7 +32117,7 @@
             </a:pPr>
             <a:r>
               <a:rPr lang="en-US" dirty="0"/>
-              <a:t>Can</a:t>
+              <a:t>OBJECT_ID()</a:t>
             </a:r>
           </a:p>
           <a:p>
@@ -32052,7 +32138,7 @@
             </a:pPr>
             <a:r>
               <a:rPr lang="en-US" dirty="0"/>
-              <a:t>accept parameters</a:t>
+              <a:t>FN = SQL scalar function</a:t>
             </a:r>
           </a:p>
           <a:p>
@@ -32073,7 +32159,7 @@
             </a:pPr>
             <a:r>
               <a:rPr lang="en-US" dirty="0"/>
-              <a:t>embedded in T-SQL statements</a:t>
+              <a:t>IF = SQL inline table-valued function</a:t>
             </a:r>
           </a:p>
           <a:p>
@@ -32094,26 +32180,16 @@
             </a:pPr>
             <a:r>
               <a:rPr lang="en-US" dirty="0"/>
-              <a:t>access SQL Server data</a:t>
-            </a:r>
-          </a:p>
-          <a:p>
-            <a:pPr marL="516636" lvl="3" indent="-173736">
-              <a:lnSpc>
-                <a:spcPct val="110000"/>
-              </a:lnSpc>
-              <a:spcBef>
-                <a:spcPts val="0"/>
-              </a:spcBef>
-              <a:spcAft>
-                <a:spcPts val="1300"/>
-              </a:spcAft>
-              <a:buClr>
-                <a:srgbClr val="2FC2D9"/>
-              </a:buClr>
-              <a:defRPr/>
-            </a:pPr>
-            <a:endParaRPr lang="en-US" dirty="0"/>
+              <a:t>TF = SQL </a:t>
+            </a:r>
+            <a:r>
+              <a:rPr lang="en-US" dirty="0" err="1"/>
+              <a:t>multistatement</a:t>
+            </a:r>
+            <a:r>
+              <a:rPr lang="en-US" dirty="0"/>
+              <a:t> table-valued function</a:t>
+            </a:r>
           </a:p>
         </p:txBody>
       </p:sp>
@@ -32122,7 +32198,7 @@
           <p:cNvPr id="5" name="Title 4">
             <a:extLst>
               <a:ext uri="{FF2B5EF4-FFF2-40B4-BE49-F238E27FC236}">
-                <a16:creationId xmlns:a16="http://schemas.microsoft.com/office/drawing/2014/main" id="{4CAEDB53-DA6A-45A6-A95F-EE6116957CDE}"/>
+                <a16:creationId xmlns:a16="http://schemas.microsoft.com/office/drawing/2014/main" id="{79541B3F-EE4B-48E5-AC11-DE3DE8FB8D23}"/>
               </a:ext>
             </a:extLst>
           </p:cNvPr>
@@ -32147,39 +32223,10 @@
       </p:sp>
       <p:sp>
         <p:nvSpPr>
-          <p:cNvPr id="8" name="Text Placeholder 7">
+          <p:cNvPr id="7" name="Slide Number Placeholder 6">
             <a:extLst>
               <a:ext uri="{FF2B5EF4-FFF2-40B4-BE49-F238E27FC236}">
-                <a16:creationId xmlns:a16="http://schemas.microsoft.com/office/drawing/2014/main" id="{B7D395CB-A75F-4204-87B2-3D50C0195320}"/>
-              </a:ext>
-            </a:extLst>
-          </p:cNvPr>
-          <p:cNvSpPr>
-            <a:spLocks noGrp="1"/>
-          </p:cNvSpPr>
-          <p:nvPr>
-            <p:ph type="body" sz="quarter" idx="11"/>
-          </p:nvPr>
-        </p:nvSpPr>
-        <p:spPr/>
-        <p:txBody>
-          <a:bodyPr/>
-          <a:lstStyle/>
-          <a:p>
-            <a:r>
-              <a:rPr lang="en-US" sz="1200" dirty="0"/>
-              <a:t>Understanding User-Defined Functions</a:t>
-            </a:r>
-            <a:endParaRPr lang="en-US" sz="1200" b="1" dirty="0"/>
-          </a:p>
-        </p:txBody>
-      </p:sp>
-      <p:sp>
-        <p:nvSpPr>
-          <p:cNvPr id="9" name="Slide Number Placeholder 8">
-            <a:extLst>
-              <a:ext uri="{FF2B5EF4-FFF2-40B4-BE49-F238E27FC236}">
-                <a16:creationId xmlns:a16="http://schemas.microsoft.com/office/drawing/2014/main" id="{626FC851-6C4A-4EA5-B1AE-36EEC4ED5D06}"/>
+                <a16:creationId xmlns:a16="http://schemas.microsoft.com/office/drawing/2014/main" id="{929D31EA-2ED7-4B84-8413-E02A339A2AFF}"/>
               </a:ext>
             </a:extLst>
           </p:cNvPr>
@@ -32266,7 +32313,7 @@
     </p:spTree>
     <p:extLst>
       <p:ext uri="{BB962C8B-B14F-4D97-AF65-F5344CB8AC3E}">
-        <p14:creationId xmlns:p14="http://schemas.microsoft.com/office/powerpoint/2010/main" val="2804886930"/>
+        <p14:creationId xmlns:p14="http://schemas.microsoft.com/office/powerpoint/2010/main" val="55789932"/>
       </p:ext>
     </p:extLst>
   </p:cSld>
@@ -32277,403 +32324,6 @@
 </file>
 
 <file path=ppt/slides/slide31.xml><?xml version="1.0" encoding="utf-8"?>
-<p:sld xmlns:a="http://schemas.openxmlformats.org/drawingml/2006/main" xmlns:r="http://schemas.openxmlformats.org/officeDocument/2006/relationships" xmlns:p="http://schemas.openxmlformats.org/presentationml/2006/main">
-  <p:cSld>
-    <p:spTree>
-      <p:nvGrpSpPr>
-        <p:cNvPr id="1" name=""/>
-        <p:cNvGrpSpPr/>
-        <p:nvPr/>
-      </p:nvGrpSpPr>
-      <p:grpSpPr>
-        <a:xfrm>
-          <a:off x="0" y="0"/>
-          <a:ext cx="0" cy="0"/>
-          <a:chOff x="0" y="0"/>
-          <a:chExt cx="0" cy="0"/>
-        </a:xfrm>
-      </p:grpSpPr>
-      <p:sp>
-        <p:nvSpPr>
-          <p:cNvPr id="4" name="Content Placeholder 2"/>
-          <p:cNvSpPr txBox="1">
-            <a:spLocks/>
-          </p:cNvSpPr>
-          <p:nvPr/>
-        </p:nvSpPr>
-        <p:spPr>
-          <a:xfrm>
-            <a:off x="360364" y="1079500"/>
-            <a:ext cx="8426449" cy="3397250"/>
-          </a:xfrm>
-          <a:prstGeom prst="rect">
-            <a:avLst/>
-          </a:prstGeom>
-        </p:spPr>
-        <p:txBody>
-          <a:bodyPr/>
-          <a:lstStyle>
-            <a:lvl1pPr marL="257175" indent="-257175" algn="l" defTabSz="342900" rtl="0" eaLnBrk="1" latinLnBrk="0" hangingPunct="1">
-              <a:spcBef>
-                <a:spcPct val="20000"/>
-              </a:spcBef>
-              <a:buFont typeface="Arial"/>
-              <a:buChar char="•"/>
-              <a:defRPr sz="2400" kern="1200">
-                <a:solidFill>
-                  <a:schemeClr val="tx1"/>
-                </a:solidFill>
-                <a:latin typeface="+mn-lt"/>
-                <a:ea typeface="+mn-ea"/>
-                <a:cs typeface="+mn-cs"/>
-              </a:defRPr>
-            </a:lvl1pPr>
-            <a:lvl2pPr marL="557213" indent="-214313" algn="l" defTabSz="342900" rtl="0" eaLnBrk="1" latinLnBrk="0" hangingPunct="1">
-              <a:spcBef>
-                <a:spcPct val="20000"/>
-              </a:spcBef>
-              <a:buFont typeface="Arial"/>
-              <a:buChar char="–"/>
-              <a:defRPr sz="2100" kern="1200">
-                <a:solidFill>
-                  <a:schemeClr val="tx1"/>
-                </a:solidFill>
-                <a:latin typeface="+mn-lt"/>
-                <a:ea typeface="+mn-ea"/>
-                <a:cs typeface="+mn-cs"/>
-              </a:defRPr>
-            </a:lvl2pPr>
-            <a:lvl3pPr marL="857250" indent="-171450" algn="l" defTabSz="342900" rtl="0" eaLnBrk="1" latinLnBrk="0" hangingPunct="1">
-              <a:spcBef>
-                <a:spcPct val="20000"/>
-              </a:spcBef>
-              <a:buFont typeface="Arial"/>
-              <a:buChar char="•"/>
-              <a:defRPr sz="1800" kern="1200">
-                <a:solidFill>
-                  <a:schemeClr val="tx1"/>
-                </a:solidFill>
-                <a:latin typeface="+mn-lt"/>
-                <a:ea typeface="+mn-ea"/>
-                <a:cs typeface="+mn-cs"/>
-              </a:defRPr>
-            </a:lvl3pPr>
-            <a:lvl4pPr marL="1200150" indent="-171450" algn="l" defTabSz="342900" rtl="0" eaLnBrk="1" latinLnBrk="0" hangingPunct="1">
-              <a:spcBef>
-                <a:spcPct val="20000"/>
-              </a:spcBef>
-              <a:buFont typeface="Arial"/>
-              <a:buChar char="–"/>
-              <a:defRPr sz="1500" kern="1200">
-                <a:solidFill>
-                  <a:schemeClr val="tx1"/>
-                </a:solidFill>
-                <a:latin typeface="+mn-lt"/>
-                <a:ea typeface="+mn-ea"/>
-                <a:cs typeface="+mn-cs"/>
-              </a:defRPr>
-            </a:lvl4pPr>
-            <a:lvl5pPr marL="1543050" indent="-171450" algn="l" defTabSz="342900" rtl="0" eaLnBrk="1" latinLnBrk="0" hangingPunct="1">
-              <a:spcBef>
-                <a:spcPct val="20000"/>
-              </a:spcBef>
-              <a:buFont typeface="Arial"/>
-              <a:buChar char="»"/>
-              <a:defRPr sz="1500" kern="1200">
-                <a:solidFill>
-                  <a:schemeClr val="tx1"/>
-                </a:solidFill>
-                <a:latin typeface="+mn-lt"/>
-                <a:ea typeface="+mn-ea"/>
-                <a:cs typeface="+mn-cs"/>
-              </a:defRPr>
-            </a:lvl5pPr>
-            <a:lvl6pPr marL="1885950" indent="-171450" algn="l" defTabSz="342900" rtl="0" eaLnBrk="1" latinLnBrk="0" hangingPunct="1">
-              <a:spcBef>
-                <a:spcPct val="20000"/>
-              </a:spcBef>
-              <a:buFont typeface="Arial"/>
-              <a:buChar char="•"/>
-              <a:defRPr sz="1500" kern="1200">
-                <a:solidFill>
-                  <a:schemeClr val="tx1"/>
-                </a:solidFill>
-                <a:latin typeface="+mn-lt"/>
-                <a:ea typeface="+mn-ea"/>
-                <a:cs typeface="+mn-cs"/>
-              </a:defRPr>
-            </a:lvl6pPr>
-            <a:lvl7pPr marL="2228850" indent="-171450" algn="l" defTabSz="342900" rtl="0" eaLnBrk="1" latinLnBrk="0" hangingPunct="1">
-              <a:spcBef>
-                <a:spcPct val="20000"/>
-              </a:spcBef>
-              <a:buFont typeface="Arial"/>
-              <a:buChar char="•"/>
-              <a:defRPr sz="1500" kern="1200">
-                <a:solidFill>
-                  <a:schemeClr val="tx1"/>
-                </a:solidFill>
-                <a:latin typeface="+mn-lt"/>
-                <a:ea typeface="+mn-ea"/>
-                <a:cs typeface="+mn-cs"/>
-              </a:defRPr>
-            </a:lvl7pPr>
-            <a:lvl8pPr marL="2571750" indent="-171450" algn="l" defTabSz="342900" rtl="0" eaLnBrk="1" latinLnBrk="0" hangingPunct="1">
-              <a:spcBef>
-                <a:spcPct val="20000"/>
-              </a:spcBef>
-              <a:buFont typeface="Arial"/>
-              <a:buChar char="•"/>
-              <a:defRPr sz="1500" kern="1200">
-                <a:solidFill>
-                  <a:schemeClr val="tx1"/>
-                </a:solidFill>
-                <a:latin typeface="+mn-lt"/>
-                <a:ea typeface="+mn-ea"/>
-                <a:cs typeface="+mn-cs"/>
-              </a:defRPr>
-            </a:lvl8pPr>
-            <a:lvl9pPr marL="2914650" indent="-171450" algn="l" defTabSz="342900" rtl="0" eaLnBrk="1" latinLnBrk="0" hangingPunct="1">
-              <a:spcBef>
-                <a:spcPct val="20000"/>
-              </a:spcBef>
-              <a:buFont typeface="Arial"/>
-              <a:buChar char="•"/>
-              <a:defRPr sz="1500" kern="1200">
-                <a:solidFill>
-                  <a:schemeClr val="tx1"/>
-                </a:solidFill>
-                <a:latin typeface="+mn-lt"/>
-                <a:ea typeface="+mn-ea"/>
-                <a:cs typeface="+mn-cs"/>
-              </a:defRPr>
-            </a:lvl9pPr>
-          </a:lstStyle>
-          <a:p>
-            <a:pPr marL="173736" lvl="2" indent="-173736">
-              <a:lnSpc>
-                <a:spcPct val="110000"/>
-              </a:lnSpc>
-              <a:spcBef>
-                <a:spcPts val="0"/>
-              </a:spcBef>
-              <a:spcAft>
-                <a:spcPts val="1300"/>
-              </a:spcAft>
-              <a:buClr>
-                <a:srgbClr val="2FC2D9"/>
-              </a:buClr>
-              <a:defRPr/>
-            </a:pPr>
-            <a:r>
-              <a:rPr lang="en-US" dirty="0"/>
-              <a:t>OBJECT_ID()</a:t>
-            </a:r>
-          </a:p>
-          <a:p>
-            <a:pPr marL="516636" lvl="3" indent="-173736">
-              <a:lnSpc>
-                <a:spcPct val="110000"/>
-              </a:lnSpc>
-              <a:spcBef>
-                <a:spcPts val="0"/>
-              </a:spcBef>
-              <a:spcAft>
-                <a:spcPts val="1300"/>
-              </a:spcAft>
-              <a:buClr>
-                <a:srgbClr val="2FC2D9"/>
-              </a:buClr>
-              <a:defRPr/>
-            </a:pPr>
-            <a:r>
-              <a:rPr lang="en-US" dirty="0"/>
-              <a:t>FN = SQL scalar function</a:t>
-            </a:r>
-          </a:p>
-          <a:p>
-            <a:pPr marL="516636" lvl="3" indent="-173736">
-              <a:lnSpc>
-                <a:spcPct val="110000"/>
-              </a:lnSpc>
-              <a:spcBef>
-                <a:spcPts val="0"/>
-              </a:spcBef>
-              <a:spcAft>
-                <a:spcPts val="1300"/>
-              </a:spcAft>
-              <a:buClr>
-                <a:srgbClr val="2FC2D9"/>
-              </a:buClr>
-              <a:defRPr/>
-            </a:pPr>
-            <a:r>
-              <a:rPr lang="en-US" dirty="0"/>
-              <a:t>IF = SQL inline table-valued function</a:t>
-            </a:r>
-          </a:p>
-          <a:p>
-            <a:pPr marL="516636" lvl="3" indent="-173736">
-              <a:lnSpc>
-                <a:spcPct val="110000"/>
-              </a:lnSpc>
-              <a:spcBef>
-                <a:spcPts val="0"/>
-              </a:spcBef>
-              <a:spcAft>
-                <a:spcPts val="1300"/>
-              </a:spcAft>
-              <a:buClr>
-                <a:srgbClr val="2FC2D9"/>
-              </a:buClr>
-              <a:defRPr/>
-            </a:pPr>
-            <a:r>
-              <a:rPr lang="en-US" dirty="0"/>
-              <a:t>TF = SQL </a:t>
-            </a:r>
-            <a:r>
-              <a:rPr lang="en-US" dirty="0" err="1"/>
-              <a:t>multistatement</a:t>
-            </a:r>
-            <a:r>
-              <a:rPr lang="en-US" dirty="0"/>
-              <a:t> table-valued function</a:t>
-            </a:r>
-          </a:p>
-        </p:txBody>
-      </p:sp>
-      <p:sp>
-        <p:nvSpPr>
-          <p:cNvPr id="5" name="Title 4">
-            <a:extLst>
-              <a:ext uri="{FF2B5EF4-FFF2-40B4-BE49-F238E27FC236}">
-                <a16:creationId xmlns:a16="http://schemas.microsoft.com/office/drawing/2014/main" id="{79541B3F-EE4B-48E5-AC11-DE3DE8FB8D23}"/>
-              </a:ext>
-            </a:extLst>
-          </p:cNvPr>
-          <p:cNvSpPr>
-            <a:spLocks noGrp="1"/>
-          </p:cNvSpPr>
-          <p:nvPr>
-            <p:ph type="title"/>
-          </p:nvPr>
-        </p:nvSpPr>
-        <p:spPr/>
-        <p:txBody>
-          <a:bodyPr/>
-          <a:lstStyle/>
-          <a:p>
-            <a:r>
-              <a:rPr lang="en-US" dirty="0"/>
-              <a:t>Implementing User-Defined Functions</a:t>
-            </a:r>
-          </a:p>
-        </p:txBody>
-      </p:sp>
-      <p:sp>
-        <p:nvSpPr>
-          <p:cNvPr id="7" name="Slide Number Placeholder 6">
-            <a:extLst>
-              <a:ext uri="{FF2B5EF4-FFF2-40B4-BE49-F238E27FC236}">
-                <a16:creationId xmlns:a16="http://schemas.microsoft.com/office/drawing/2014/main" id="{929D31EA-2ED7-4B84-8413-E02A339A2AFF}"/>
-              </a:ext>
-            </a:extLst>
-          </p:cNvPr>
-          <p:cNvSpPr>
-            <a:spLocks noGrp="1"/>
-          </p:cNvSpPr>
-          <p:nvPr>
-            <p:ph type="sldNum" sz="quarter" idx="4"/>
-          </p:nvPr>
-        </p:nvSpPr>
-        <p:spPr/>
-        <p:txBody>
-          <a:bodyPr/>
-          <a:lstStyle/>
-          <a:p>
-            <a:pPr marL="0" marR="0" lvl="0" indent="0" algn="r" defTabSz="342900" rtl="0" eaLnBrk="1" fontAlgn="auto" latinLnBrk="0" hangingPunct="1">
-              <a:lnSpc>
-                <a:spcPct val="100000"/>
-              </a:lnSpc>
-              <a:spcBef>
-                <a:spcPts val="0"/>
-              </a:spcBef>
-              <a:spcAft>
-                <a:spcPts val="0"/>
-              </a:spcAft>
-              <a:buClrTx/>
-              <a:buSzTx/>
-              <a:buFontTx/>
-              <a:buNone/>
-              <a:tabLst/>
-              <a:defRPr/>
-            </a:pPr>
-            <a:fld id="{3A707DD9-E92B-45E8-BE0A-E6B2EDF345EB}" type="slidenum">
-              <a:rPr kumimoji="0" lang="en-US" sz="800" b="1" i="0" u="none" strike="noStrike" kern="1200" cap="none" spc="0" normalizeH="0" baseline="0" noProof="0" smtClean="0">
-                <a:ln>
-                  <a:noFill/>
-                </a:ln>
-                <a:solidFill>
-                  <a:srgbClr val="FEFEFE"/>
-                </a:solidFill>
-                <a:effectLst/>
-                <a:uLnTx/>
-                <a:uFillTx/>
-                <a:latin typeface="Calibri Light"/>
-                <a:ea typeface="+mn-ea"/>
-                <a:cs typeface="+mn-cs"/>
-              </a:rPr>
-              <a:pPr marL="0" marR="0" lvl="0" indent="0" algn="r" defTabSz="342900" rtl="0" eaLnBrk="1" fontAlgn="auto" latinLnBrk="0" hangingPunct="1">
-                <a:lnSpc>
-                  <a:spcPct val="100000"/>
-                </a:lnSpc>
-                <a:spcBef>
-                  <a:spcPts val="0"/>
-                </a:spcBef>
-                <a:spcAft>
-                  <a:spcPts val="0"/>
-                </a:spcAft>
-                <a:buClrTx/>
-                <a:buSzTx/>
-                <a:buFontTx/>
-                <a:buNone/>
-                <a:tabLst/>
-                <a:defRPr/>
-              </a:pPr>
-              <a:t>31</a:t>
-            </a:fld>
-            <a:endParaRPr kumimoji="0" lang="en-US" sz="800" b="1" i="0" u="none" strike="noStrike" kern="1200" cap="none" spc="0" normalizeH="0" baseline="0" noProof="0" dirty="0">
-              <a:ln>
-                <a:noFill/>
-              </a:ln>
-              <a:solidFill>
-                <a:srgbClr val="FEFEFE"/>
-              </a:solidFill>
-              <a:effectLst/>
-              <a:uLnTx/>
-              <a:uFillTx/>
-              <a:latin typeface="Calibri Light"/>
-              <a:ea typeface="+mn-ea"/>
-              <a:cs typeface="+mn-cs"/>
-            </a:endParaRPr>
-          </a:p>
-        </p:txBody>
-      </p:sp>
-    </p:spTree>
-    <p:extLst>
-      <p:ext uri="{BB962C8B-B14F-4D97-AF65-F5344CB8AC3E}">
-        <p14:creationId xmlns:p14="http://schemas.microsoft.com/office/powerpoint/2010/main" val="55789932"/>
-      </p:ext>
-    </p:extLst>
-  </p:cSld>
-  <p:clrMapOvr>
-    <a:masterClrMapping/>
-  </p:clrMapOvr>
-</p:sld>
-</file>
-
-<file path=ppt/slides/slide32.xml><?xml version="1.0" encoding="utf-8"?>
 <p:sld xmlns:a="http://schemas.openxmlformats.org/drawingml/2006/main" xmlns:r="http://schemas.openxmlformats.org/officeDocument/2006/relationships" xmlns:p="http://schemas.openxmlformats.org/presentationml/2006/main">
   <p:cSld>
     <p:spTree>
@@ -32840,7 +32490,7 @@
                 <a:tabLst/>
                 <a:defRPr/>
               </a:pPr>
-              <a:t>32</a:t>
+              <a:t>31</a:t>
             </a:fld>
             <a:endParaRPr kumimoji="0" lang="en-US" sz="800" b="1" i="0" u="none" strike="noStrike" kern="1200" cap="none" spc="0" normalizeH="0" baseline="0" noProof="0" dirty="0">
               <a:ln>
@@ -32872,7 +32522,7 @@
 </p:sld>
 </file>
 
-<file path=ppt/slides/slide33.xml><?xml version="1.0" encoding="utf-8"?>
+<file path=ppt/slides/slide32.xml><?xml version="1.0" encoding="utf-8"?>
 <p:sld xmlns:a="http://schemas.openxmlformats.org/drawingml/2006/main" xmlns:r="http://schemas.openxmlformats.org/officeDocument/2006/relationships" xmlns:p="http://schemas.openxmlformats.org/presentationml/2006/main">
   <p:cSld>
     <p:spTree>
@@ -33039,7 +32689,7 @@
                 <a:tabLst/>
                 <a:defRPr/>
               </a:pPr>
-              <a:t>33</a:t>
+              <a:t>32</a:t>
             </a:fld>
             <a:endParaRPr kumimoji="0" lang="en-US" sz="800" b="1" i="0" u="none" strike="noStrike" kern="1200" cap="none" spc="0" normalizeH="0" baseline="0" noProof="0" dirty="0">
               <a:ln>
@@ -33071,7 +32721,7 @@
 </p:sld>
 </file>
 
-<file path=ppt/slides/slide34.xml><?xml version="1.0" encoding="utf-8"?>
+<file path=ppt/slides/slide33.xml><?xml version="1.0" encoding="utf-8"?>
 <p:sld xmlns:a="http://schemas.openxmlformats.org/drawingml/2006/main" xmlns:r="http://schemas.openxmlformats.org/officeDocument/2006/relationships" xmlns:p="http://schemas.openxmlformats.org/presentationml/2006/main">
   <p:cSld>
     <p:spTree>
@@ -33242,7 +32892,7 @@
                 <a:tabLst/>
                 <a:defRPr/>
               </a:pPr>
-              <a:t>34</a:t>
+              <a:t>33</a:t>
             </a:fld>
             <a:endParaRPr kumimoji="0" lang="en-US" sz="800" b="1" i="0" u="none" strike="noStrike" kern="1200" cap="none" spc="0" normalizeH="0" baseline="0" noProof="0" dirty="0">
               <a:ln>
@@ -33274,7 +32924,7 @@
 </p:sld>
 </file>
 
-<file path=ppt/slides/slide35.xml><?xml version="1.0" encoding="utf-8"?>
+<file path=ppt/slides/slide34.xml><?xml version="1.0" encoding="utf-8"?>
 <p:sld xmlns:a="http://schemas.openxmlformats.org/drawingml/2006/main" xmlns:r="http://schemas.openxmlformats.org/officeDocument/2006/relationships" xmlns:p="http://schemas.openxmlformats.org/presentationml/2006/main">
   <p:cSld>
     <p:spTree>
@@ -33389,7 +33039,7 @@
                 <a:tabLst/>
                 <a:defRPr/>
               </a:pPr>
-              <a:t>35</a:t>
+              <a:t>34</a:t>
             </a:fld>
             <a:endParaRPr kumimoji="0" lang="en-US" sz="800" b="1" i="0" u="none" strike="noStrike" kern="1200" cap="none" spc="0" normalizeH="0" baseline="0" noProof="0" dirty="0">
               <a:ln>
@@ -33580,6 +33230,465 @@
 </p:sld>
 </file>
 
+<file path=ppt/slides/slide35.xml><?xml version="1.0" encoding="utf-8"?>
+<p:sld xmlns:a="http://schemas.openxmlformats.org/drawingml/2006/main" xmlns:r="http://schemas.openxmlformats.org/officeDocument/2006/relationships" xmlns:p="http://schemas.openxmlformats.org/presentationml/2006/main">
+  <p:cSld>
+    <p:spTree>
+      <p:nvGrpSpPr>
+        <p:cNvPr id="1" name=""/>
+        <p:cNvGrpSpPr/>
+        <p:nvPr/>
+      </p:nvGrpSpPr>
+      <p:grpSpPr>
+        <a:xfrm>
+          <a:off x="0" y="0"/>
+          <a:ext cx="0" cy="0"/>
+          <a:chOff x="0" y="0"/>
+          <a:chExt cx="0" cy="0"/>
+        </a:xfrm>
+      </p:grpSpPr>
+      <p:sp>
+        <p:nvSpPr>
+          <p:cNvPr id="4" name="Content Placeholder 2"/>
+          <p:cNvSpPr txBox="1">
+            <a:spLocks/>
+          </p:cNvSpPr>
+          <p:nvPr/>
+        </p:nvSpPr>
+        <p:spPr>
+          <a:xfrm>
+            <a:off x="386226" y="1503470"/>
+            <a:ext cx="7072812" cy="3287972"/>
+          </a:xfrm>
+          <a:prstGeom prst="rect">
+            <a:avLst/>
+          </a:prstGeom>
+        </p:spPr>
+        <p:txBody>
+          <a:bodyPr/>
+          <a:lstStyle>
+            <a:lvl1pPr marL="257175" indent="-257175" algn="l" defTabSz="342900" rtl="0" eaLnBrk="1" latinLnBrk="0" hangingPunct="1">
+              <a:spcBef>
+                <a:spcPct val="20000"/>
+              </a:spcBef>
+              <a:buFont typeface="Arial"/>
+              <a:buChar char="•"/>
+              <a:defRPr sz="2400" kern="1200">
+                <a:solidFill>
+                  <a:schemeClr val="tx1"/>
+                </a:solidFill>
+                <a:latin typeface="+mn-lt"/>
+                <a:ea typeface="+mn-ea"/>
+                <a:cs typeface="+mn-cs"/>
+              </a:defRPr>
+            </a:lvl1pPr>
+            <a:lvl2pPr marL="557213" indent="-214313" algn="l" defTabSz="342900" rtl="0" eaLnBrk="1" latinLnBrk="0" hangingPunct="1">
+              <a:spcBef>
+                <a:spcPct val="20000"/>
+              </a:spcBef>
+              <a:buFont typeface="Arial"/>
+              <a:buChar char="–"/>
+              <a:defRPr sz="2100" kern="1200">
+                <a:solidFill>
+                  <a:schemeClr val="tx1"/>
+                </a:solidFill>
+                <a:latin typeface="+mn-lt"/>
+                <a:ea typeface="+mn-ea"/>
+                <a:cs typeface="+mn-cs"/>
+              </a:defRPr>
+            </a:lvl2pPr>
+            <a:lvl3pPr marL="857250" indent="-171450" algn="l" defTabSz="342900" rtl="0" eaLnBrk="1" latinLnBrk="0" hangingPunct="1">
+              <a:spcBef>
+                <a:spcPct val="20000"/>
+              </a:spcBef>
+              <a:buFont typeface="Arial"/>
+              <a:buChar char="•"/>
+              <a:defRPr sz="1800" kern="1200">
+                <a:solidFill>
+                  <a:schemeClr val="tx1"/>
+                </a:solidFill>
+                <a:latin typeface="+mn-lt"/>
+                <a:ea typeface="+mn-ea"/>
+                <a:cs typeface="+mn-cs"/>
+              </a:defRPr>
+            </a:lvl3pPr>
+            <a:lvl4pPr marL="1200150" indent="-171450" algn="l" defTabSz="342900" rtl="0" eaLnBrk="1" latinLnBrk="0" hangingPunct="1">
+              <a:spcBef>
+                <a:spcPct val="20000"/>
+              </a:spcBef>
+              <a:buFont typeface="Arial"/>
+              <a:buChar char="–"/>
+              <a:defRPr sz="1500" kern="1200">
+                <a:solidFill>
+                  <a:schemeClr val="tx1"/>
+                </a:solidFill>
+                <a:latin typeface="+mn-lt"/>
+                <a:ea typeface="+mn-ea"/>
+                <a:cs typeface="+mn-cs"/>
+              </a:defRPr>
+            </a:lvl4pPr>
+            <a:lvl5pPr marL="1543050" indent="-171450" algn="l" defTabSz="342900" rtl="0" eaLnBrk="1" latinLnBrk="0" hangingPunct="1">
+              <a:spcBef>
+                <a:spcPct val="20000"/>
+              </a:spcBef>
+              <a:buFont typeface="Arial"/>
+              <a:buChar char="»"/>
+              <a:defRPr sz="1500" kern="1200">
+                <a:solidFill>
+                  <a:schemeClr val="tx1"/>
+                </a:solidFill>
+                <a:latin typeface="+mn-lt"/>
+                <a:ea typeface="+mn-ea"/>
+                <a:cs typeface="+mn-cs"/>
+              </a:defRPr>
+            </a:lvl5pPr>
+            <a:lvl6pPr marL="1885950" indent="-171450" algn="l" defTabSz="342900" rtl="0" eaLnBrk="1" latinLnBrk="0" hangingPunct="1">
+              <a:spcBef>
+                <a:spcPct val="20000"/>
+              </a:spcBef>
+              <a:buFont typeface="Arial"/>
+              <a:buChar char="•"/>
+              <a:defRPr sz="1500" kern="1200">
+                <a:solidFill>
+                  <a:schemeClr val="tx1"/>
+                </a:solidFill>
+                <a:latin typeface="+mn-lt"/>
+                <a:ea typeface="+mn-ea"/>
+                <a:cs typeface="+mn-cs"/>
+              </a:defRPr>
+            </a:lvl6pPr>
+            <a:lvl7pPr marL="2228850" indent="-171450" algn="l" defTabSz="342900" rtl="0" eaLnBrk="1" latinLnBrk="0" hangingPunct="1">
+              <a:spcBef>
+                <a:spcPct val="20000"/>
+              </a:spcBef>
+              <a:buFont typeface="Arial"/>
+              <a:buChar char="•"/>
+              <a:defRPr sz="1500" kern="1200">
+                <a:solidFill>
+                  <a:schemeClr val="tx1"/>
+                </a:solidFill>
+                <a:latin typeface="+mn-lt"/>
+                <a:ea typeface="+mn-ea"/>
+                <a:cs typeface="+mn-cs"/>
+              </a:defRPr>
+            </a:lvl7pPr>
+            <a:lvl8pPr marL="2571750" indent="-171450" algn="l" defTabSz="342900" rtl="0" eaLnBrk="1" latinLnBrk="0" hangingPunct="1">
+              <a:spcBef>
+                <a:spcPct val="20000"/>
+              </a:spcBef>
+              <a:buFont typeface="Arial"/>
+              <a:buChar char="•"/>
+              <a:defRPr sz="1500" kern="1200">
+                <a:solidFill>
+                  <a:schemeClr val="tx1"/>
+                </a:solidFill>
+                <a:latin typeface="+mn-lt"/>
+                <a:ea typeface="+mn-ea"/>
+                <a:cs typeface="+mn-cs"/>
+              </a:defRPr>
+            </a:lvl8pPr>
+            <a:lvl9pPr marL="2914650" indent="-171450" algn="l" defTabSz="342900" rtl="0" eaLnBrk="1" latinLnBrk="0" hangingPunct="1">
+              <a:spcBef>
+                <a:spcPct val="20000"/>
+              </a:spcBef>
+              <a:buFont typeface="Arial"/>
+              <a:buChar char="•"/>
+              <a:defRPr sz="1500" kern="1200">
+                <a:solidFill>
+                  <a:schemeClr val="tx1"/>
+                </a:solidFill>
+                <a:latin typeface="+mn-lt"/>
+                <a:ea typeface="+mn-ea"/>
+                <a:cs typeface="+mn-cs"/>
+              </a:defRPr>
+            </a:lvl9pPr>
+          </a:lstStyle>
+          <a:p>
+            <a:pPr marL="173736" lvl="2" indent="-173736">
+              <a:lnSpc>
+                <a:spcPct val="110000"/>
+              </a:lnSpc>
+              <a:spcBef>
+                <a:spcPts val="0"/>
+              </a:spcBef>
+              <a:spcAft>
+                <a:spcPts val="1300"/>
+              </a:spcAft>
+              <a:buClr>
+                <a:srgbClr val="2FC2D9"/>
+              </a:buClr>
+              <a:defRPr/>
+            </a:pPr>
+            <a:r>
+              <a:rPr lang="en-US" dirty="0"/>
+              <a:t>You can specify five options with UDFs:</a:t>
+            </a:r>
+          </a:p>
+          <a:p>
+            <a:pPr marL="516636" lvl="3" indent="-173736">
+              <a:lnSpc>
+                <a:spcPct val="110000"/>
+              </a:lnSpc>
+              <a:spcBef>
+                <a:spcPts val="0"/>
+              </a:spcBef>
+              <a:spcAft>
+                <a:spcPts val="1300"/>
+              </a:spcAft>
+              <a:buClr>
+                <a:srgbClr val="2FC2D9"/>
+              </a:buClr>
+              <a:defRPr/>
+            </a:pPr>
+            <a:r>
+              <a:rPr lang="en-US" dirty="0"/>
+              <a:t>ENCRYPTION</a:t>
+            </a:r>
+          </a:p>
+          <a:p>
+            <a:pPr marL="516636" lvl="3" indent="-173736">
+              <a:lnSpc>
+                <a:spcPct val="110000"/>
+              </a:lnSpc>
+              <a:spcBef>
+                <a:spcPts val="0"/>
+              </a:spcBef>
+              <a:spcAft>
+                <a:spcPts val="1300"/>
+              </a:spcAft>
+              <a:buClr>
+                <a:srgbClr val="2FC2D9"/>
+              </a:buClr>
+              <a:defRPr/>
+            </a:pPr>
+            <a:r>
+              <a:rPr lang="en-US" dirty="0"/>
+              <a:t>SCHEMABINDING</a:t>
+            </a:r>
+          </a:p>
+          <a:p>
+            <a:pPr marL="516636" lvl="3" indent="-173736">
+              <a:lnSpc>
+                <a:spcPct val="110000"/>
+              </a:lnSpc>
+              <a:spcBef>
+                <a:spcPts val="0"/>
+              </a:spcBef>
+              <a:spcAft>
+                <a:spcPts val="1300"/>
+              </a:spcAft>
+              <a:buClr>
+                <a:srgbClr val="2FC2D9"/>
+              </a:buClr>
+              <a:defRPr/>
+            </a:pPr>
+            <a:r>
+              <a:rPr lang="sv-SE" dirty="0"/>
+              <a:t>RETURN NULL ON NULL INPUT / CALLED ON NULL INPUT</a:t>
+            </a:r>
+          </a:p>
+          <a:p>
+            <a:pPr marL="516636" lvl="3" indent="-173736">
+              <a:lnSpc>
+                <a:spcPct val="110000"/>
+              </a:lnSpc>
+              <a:spcBef>
+                <a:spcPts val="0"/>
+              </a:spcBef>
+              <a:spcAft>
+                <a:spcPts val="1300"/>
+              </a:spcAft>
+              <a:buClr>
+                <a:srgbClr val="2FC2D9"/>
+              </a:buClr>
+              <a:defRPr/>
+            </a:pPr>
+            <a:r>
+              <a:rPr lang="en-US" dirty="0"/>
+              <a:t>EXECUTE AS</a:t>
+            </a:r>
+          </a:p>
+          <a:p>
+            <a:pPr marL="516636" lvl="3" indent="-173736">
+              <a:lnSpc>
+                <a:spcPct val="110000"/>
+              </a:lnSpc>
+              <a:spcBef>
+                <a:spcPts val="0"/>
+              </a:spcBef>
+              <a:spcAft>
+                <a:spcPts val="1300"/>
+              </a:spcAft>
+              <a:buClr>
+                <a:srgbClr val="2FC2D9"/>
+              </a:buClr>
+              <a:defRPr/>
+            </a:pPr>
+            <a:r>
+              <a:rPr lang="en-US" dirty="0"/>
+              <a:t>INLINE = ON / OFF (Starting with SQL Server 2019)</a:t>
+            </a:r>
+          </a:p>
+        </p:txBody>
+      </p:sp>
+      <p:sp>
+        <p:nvSpPr>
+          <p:cNvPr id="5" name="Title 4">
+            <a:extLst>
+              <a:ext uri="{FF2B5EF4-FFF2-40B4-BE49-F238E27FC236}">
+                <a16:creationId xmlns:a16="http://schemas.microsoft.com/office/drawing/2014/main" id="{EFB223B7-243B-45E4-AD05-3DEAEEA55834}"/>
+              </a:ext>
+            </a:extLst>
+          </p:cNvPr>
+          <p:cNvSpPr>
+            <a:spLocks noGrp="1"/>
+          </p:cNvSpPr>
+          <p:nvPr>
+            <p:ph type="title"/>
+          </p:nvPr>
+        </p:nvSpPr>
+        <p:spPr/>
+        <p:txBody>
+          <a:bodyPr/>
+          <a:lstStyle/>
+          <a:p>
+            <a:r>
+              <a:rPr lang="en-US" dirty="0"/>
+              <a:t>Implementing User-Defined Functions</a:t>
+            </a:r>
+          </a:p>
+        </p:txBody>
+      </p:sp>
+      <p:sp>
+        <p:nvSpPr>
+          <p:cNvPr id="7" name="Text Placeholder 6">
+            <a:extLst>
+              <a:ext uri="{FF2B5EF4-FFF2-40B4-BE49-F238E27FC236}">
+                <a16:creationId xmlns:a16="http://schemas.microsoft.com/office/drawing/2014/main" id="{24E5B71B-A2D8-4E22-9621-64E262829D07}"/>
+              </a:ext>
+            </a:extLst>
+          </p:cNvPr>
+          <p:cNvSpPr>
+            <a:spLocks noGrp="1"/>
+          </p:cNvSpPr>
+          <p:nvPr>
+            <p:ph type="body" sz="quarter" idx="11"/>
+          </p:nvPr>
+        </p:nvSpPr>
+        <p:spPr/>
+        <p:txBody>
+          <a:bodyPr/>
+          <a:lstStyle/>
+          <a:p>
+            <a:r>
+              <a:rPr lang="en-US" dirty="0"/>
+              <a:t>UDF Options</a:t>
+            </a:r>
+          </a:p>
+        </p:txBody>
+      </p:sp>
+      <p:sp>
+        <p:nvSpPr>
+          <p:cNvPr id="8" name="Slide Number Placeholder 7">
+            <a:extLst>
+              <a:ext uri="{FF2B5EF4-FFF2-40B4-BE49-F238E27FC236}">
+                <a16:creationId xmlns:a16="http://schemas.microsoft.com/office/drawing/2014/main" id="{BD669FE4-8E1D-4D25-AAE9-9FB0C847A62A}"/>
+              </a:ext>
+            </a:extLst>
+          </p:cNvPr>
+          <p:cNvSpPr>
+            <a:spLocks noGrp="1"/>
+          </p:cNvSpPr>
+          <p:nvPr>
+            <p:ph type="sldNum" sz="quarter" idx="4"/>
+          </p:nvPr>
+        </p:nvSpPr>
+        <p:spPr/>
+        <p:txBody>
+          <a:bodyPr/>
+          <a:lstStyle/>
+          <a:p>
+            <a:pPr marL="0" marR="0" lvl="0" indent="0" algn="r" defTabSz="342900" rtl="0" eaLnBrk="1" fontAlgn="auto" latinLnBrk="0" hangingPunct="1">
+              <a:lnSpc>
+                <a:spcPct val="100000"/>
+              </a:lnSpc>
+              <a:spcBef>
+                <a:spcPts val="0"/>
+              </a:spcBef>
+              <a:spcAft>
+                <a:spcPts val="0"/>
+              </a:spcAft>
+              <a:buClrTx/>
+              <a:buSzTx/>
+              <a:buFontTx/>
+              <a:buNone/>
+              <a:tabLst/>
+              <a:defRPr/>
+            </a:pPr>
+            <a:fld id="{3A707DD9-E92B-45E8-BE0A-E6B2EDF345EB}" type="slidenum">
+              <a:rPr kumimoji="0" lang="en-US" sz="800" b="1" i="0" u="none" strike="noStrike" kern="1200" cap="none" spc="0" normalizeH="0" baseline="0" noProof="0" smtClean="0">
+                <a:ln>
+                  <a:noFill/>
+                </a:ln>
+                <a:solidFill>
+                  <a:srgbClr val="FEFEFE"/>
+                </a:solidFill>
+                <a:effectLst/>
+                <a:uLnTx/>
+                <a:uFillTx/>
+                <a:latin typeface="Calibri Light"/>
+                <a:ea typeface="+mn-ea"/>
+                <a:cs typeface="+mn-cs"/>
+              </a:rPr>
+              <a:pPr marL="0" marR="0" lvl="0" indent="0" algn="r" defTabSz="342900" rtl="0" eaLnBrk="1" fontAlgn="auto" latinLnBrk="0" hangingPunct="1">
+                <a:lnSpc>
+                  <a:spcPct val="100000"/>
+                </a:lnSpc>
+                <a:spcBef>
+                  <a:spcPts val="0"/>
+                </a:spcBef>
+                <a:spcAft>
+                  <a:spcPts val="0"/>
+                </a:spcAft>
+                <a:buClrTx/>
+                <a:buSzTx/>
+                <a:buFontTx/>
+                <a:buNone/>
+                <a:tabLst/>
+                <a:defRPr/>
+              </a:pPr>
+              <a:t>35</a:t>
+            </a:fld>
+            <a:endParaRPr kumimoji="0" lang="en-US" sz="800" b="1" i="0" u="none" strike="noStrike" kern="1200" cap="none" spc="0" normalizeH="0" baseline="0" noProof="0" dirty="0">
+              <a:ln>
+                <a:noFill/>
+              </a:ln>
+              <a:solidFill>
+                <a:srgbClr val="FEFEFE"/>
+              </a:solidFill>
+              <a:effectLst/>
+              <a:uLnTx/>
+              <a:uFillTx/>
+              <a:latin typeface="Calibri Light"/>
+              <a:ea typeface="+mn-ea"/>
+              <a:cs typeface="+mn-cs"/>
+            </a:endParaRPr>
+          </a:p>
+        </p:txBody>
+      </p:sp>
+    </p:spTree>
+    <p:extLst>
+      <p:ext uri="{BB962C8B-B14F-4D97-AF65-F5344CB8AC3E}">
+        <p14:creationId xmlns:p14="http://schemas.microsoft.com/office/powerpoint/2010/main" val="2186010234"/>
+      </p:ext>
+    </p:extLst>
+  </p:cSld>
+  <p:clrMapOvr>
+    <a:masterClrMapping/>
+  </p:clrMapOvr>
+</p:sld>
+</file>
+
 <file path=ppt/slides/slide36.xml><?xml version="1.0" encoding="utf-8"?>
 <p:sld xmlns:a="http://schemas.openxmlformats.org/drawingml/2006/main" xmlns:r="http://schemas.openxmlformats.org/officeDocument/2006/relationships" xmlns:p="http://schemas.openxmlformats.org/presentationml/2006/main">
   <p:cSld>
@@ -33771,7 +33880,7 @@
             </a:pPr>
             <a:r>
               <a:rPr lang="en-US" dirty="0"/>
-              <a:t>You can specify five options with UDFs:</a:t>
+              <a:t>UDFs cannot do the following:</a:t>
             </a:r>
           </a:p>
           <a:p>
@@ -33792,7 +33901,7 @@
             </a:pPr>
             <a:r>
               <a:rPr lang="en-US" dirty="0"/>
-              <a:t>ENCRYPTION</a:t>
+              <a:t>Apply any schema or data changes in the database.</a:t>
             </a:r>
           </a:p>
           <a:p>
@@ -33813,7 +33922,7 @@
             </a:pPr>
             <a:r>
               <a:rPr lang="en-US" dirty="0"/>
-              <a:t>SCHEMABINDING</a:t>
+              <a:t>Change the state of a database or SQL Server instance.</a:t>
             </a:r>
           </a:p>
           <a:p>
@@ -33833,8 +33942,8 @@
               <a:defRPr/>
             </a:pPr>
             <a:r>
-              <a:rPr lang="sv-SE" dirty="0"/>
-              <a:t>RETURN NULL ON NULL INPUT / CALLED ON NULL INPUT</a:t>
+              <a:rPr lang="en-US" dirty="0"/>
+              <a:t>Create or access temporary tables.</a:t>
             </a:r>
           </a:p>
           <a:p>
@@ -33855,7 +33964,7 @@
             </a:pPr>
             <a:r>
               <a:rPr lang="en-US" dirty="0"/>
-              <a:t>EXECUTE AS</a:t>
+              <a:t>Call stored procedures.</a:t>
             </a:r>
           </a:p>
           <a:p>
@@ -33876,7 +33985,28 @@
             </a:pPr>
             <a:r>
               <a:rPr lang="en-US" dirty="0"/>
-              <a:t>INLINE = ON / OFF (Starting with SQL Server 2019)</a:t>
+              <a:t>Execute dynamic SQL.</a:t>
+            </a:r>
+          </a:p>
+          <a:p>
+            <a:pPr marL="516636" lvl="3" indent="-173736">
+              <a:lnSpc>
+                <a:spcPct val="110000"/>
+              </a:lnSpc>
+              <a:spcBef>
+                <a:spcPts val="0"/>
+              </a:spcBef>
+              <a:spcAft>
+                <a:spcPts val="1300"/>
+              </a:spcAft>
+              <a:buClr>
+                <a:srgbClr val="2FC2D9"/>
+              </a:buClr>
+              <a:defRPr/>
+            </a:pPr>
+            <a:r>
+              <a:rPr lang="en-US" dirty="0"/>
+              <a:t>Produce side effects. For example, both the RAND() and NEWID()</a:t>
             </a:r>
           </a:p>
         </p:txBody>
@@ -33886,7 +34016,7 @@
           <p:cNvPr id="5" name="Title 4">
             <a:extLst>
               <a:ext uri="{FF2B5EF4-FFF2-40B4-BE49-F238E27FC236}">
-                <a16:creationId xmlns:a16="http://schemas.microsoft.com/office/drawing/2014/main" id="{EFB223B7-243B-45E4-AD05-3DEAEEA55834}"/>
+                <a16:creationId xmlns:a16="http://schemas.microsoft.com/office/drawing/2014/main" id="{EB206E85-2C3A-4AD1-A933-4660CC3279AE}"/>
               </a:ext>
             </a:extLst>
           </p:cNvPr>
@@ -33914,7 +34044,7 @@
           <p:cNvPr id="7" name="Text Placeholder 6">
             <a:extLst>
               <a:ext uri="{FF2B5EF4-FFF2-40B4-BE49-F238E27FC236}">
-                <a16:creationId xmlns:a16="http://schemas.microsoft.com/office/drawing/2014/main" id="{24E5B71B-A2D8-4E22-9621-64E262829D07}"/>
+                <a16:creationId xmlns:a16="http://schemas.microsoft.com/office/drawing/2014/main" id="{548208F3-A97F-4C56-8A21-F81F2F8ACA5B}"/>
               </a:ext>
             </a:extLst>
           </p:cNvPr>
@@ -33932,7 +34062,7 @@
           <a:p>
             <a:r>
               <a:rPr lang="en-US" dirty="0"/>
-              <a:t>UDF Options</a:t>
+              <a:t>Limitations on UDFs</a:t>
             </a:r>
           </a:p>
         </p:txBody>
@@ -33942,7 +34072,7 @@
           <p:cNvPr id="8" name="Slide Number Placeholder 7">
             <a:extLst>
               <a:ext uri="{FF2B5EF4-FFF2-40B4-BE49-F238E27FC236}">
-                <a16:creationId xmlns:a16="http://schemas.microsoft.com/office/drawing/2014/main" id="{BD669FE4-8E1D-4D25-AAE9-9FB0C847A62A}"/>
+                <a16:creationId xmlns:a16="http://schemas.microsoft.com/office/drawing/2014/main" id="{128A9447-CB42-4B03-8EC2-F687F1583EBC}"/>
               </a:ext>
             </a:extLst>
           </p:cNvPr>
@@ -34029,7 +34159,7 @@
     </p:spTree>
     <p:extLst>
       <p:ext uri="{BB962C8B-B14F-4D97-AF65-F5344CB8AC3E}">
-        <p14:creationId xmlns:p14="http://schemas.microsoft.com/office/powerpoint/2010/main" val="2186010234"/>
+        <p14:creationId xmlns:p14="http://schemas.microsoft.com/office/powerpoint/2010/main" val="1049762199"/>
       </p:ext>
     </p:extLst>
   </p:cSld>
@@ -34040,486 +34170,6 @@
 </file>
 
 <file path=ppt/slides/slide37.xml><?xml version="1.0" encoding="utf-8"?>
-<p:sld xmlns:a="http://schemas.openxmlformats.org/drawingml/2006/main" xmlns:r="http://schemas.openxmlformats.org/officeDocument/2006/relationships" xmlns:p="http://schemas.openxmlformats.org/presentationml/2006/main">
-  <p:cSld>
-    <p:spTree>
-      <p:nvGrpSpPr>
-        <p:cNvPr id="1" name=""/>
-        <p:cNvGrpSpPr/>
-        <p:nvPr/>
-      </p:nvGrpSpPr>
-      <p:grpSpPr>
-        <a:xfrm>
-          <a:off x="0" y="0"/>
-          <a:ext cx="0" cy="0"/>
-          <a:chOff x="0" y="0"/>
-          <a:chExt cx="0" cy="0"/>
-        </a:xfrm>
-      </p:grpSpPr>
-      <p:sp>
-        <p:nvSpPr>
-          <p:cNvPr id="4" name="Content Placeholder 2"/>
-          <p:cNvSpPr txBox="1">
-            <a:spLocks/>
-          </p:cNvSpPr>
-          <p:nvPr/>
-        </p:nvSpPr>
-        <p:spPr>
-          <a:xfrm>
-            <a:off x="386226" y="1503470"/>
-            <a:ext cx="7072812" cy="3287972"/>
-          </a:xfrm>
-          <a:prstGeom prst="rect">
-            <a:avLst/>
-          </a:prstGeom>
-        </p:spPr>
-        <p:txBody>
-          <a:bodyPr/>
-          <a:lstStyle>
-            <a:lvl1pPr marL="257175" indent="-257175" algn="l" defTabSz="342900" rtl="0" eaLnBrk="1" latinLnBrk="0" hangingPunct="1">
-              <a:spcBef>
-                <a:spcPct val="20000"/>
-              </a:spcBef>
-              <a:buFont typeface="Arial"/>
-              <a:buChar char="•"/>
-              <a:defRPr sz="2400" kern="1200">
-                <a:solidFill>
-                  <a:schemeClr val="tx1"/>
-                </a:solidFill>
-                <a:latin typeface="+mn-lt"/>
-                <a:ea typeface="+mn-ea"/>
-                <a:cs typeface="+mn-cs"/>
-              </a:defRPr>
-            </a:lvl1pPr>
-            <a:lvl2pPr marL="557213" indent="-214313" algn="l" defTabSz="342900" rtl="0" eaLnBrk="1" latinLnBrk="0" hangingPunct="1">
-              <a:spcBef>
-                <a:spcPct val="20000"/>
-              </a:spcBef>
-              <a:buFont typeface="Arial"/>
-              <a:buChar char="–"/>
-              <a:defRPr sz="2100" kern="1200">
-                <a:solidFill>
-                  <a:schemeClr val="tx1"/>
-                </a:solidFill>
-                <a:latin typeface="+mn-lt"/>
-                <a:ea typeface="+mn-ea"/>
-                <a:cs typeface="+mn-cs"/>
-              </a:defRPr>
-            </a:lvl2pPr>
-            <a:lvl3pPr marL="857250" indent="-171450" algn="l" defTabSz="342900" rtl="0" eaLnBrk="1" latinLnBrk="0" hangingPunct="1">
-              <a:spcBef>
-                <a:spcPct val="20000"/>
-              </a:spcBef>
-              <a:buFont typeface="Arial"/>
-              <a:buChar char="•"/>
-              <a:defRPr sz="1800" kern="1200">
-                <a:solidFill>
-                  <a:schemeClr val="tx1"/>
-                </a:solidFill>
-                <a:latin typeface="+mn-lt"/>
-                <a:ea typeface="+mn-ea"/>
-                <a:cs typeface="+mn-cs"/>
-              </a:defRPr>
-            </a:lvl3pPr>
-            <a:lvl4pPr marL="1200150" indent="-171450" algn="l" defTabSz="342900" rtl="0" eaLnBrk="1" latinLnBrk="0" hangingPunct="1">
-              <a:spcBef>
-                <a:spcPct val="20000"/>
-              </a:spcBef>
-              <a:buFont typeface="Arial"/>
-              <a:buChar char="–"/>
-              <a:defRPr sz="1500" kern="1200">
-                <a:solidFill>
-                  <a:schemeClr val="tx1"/>
-                </a:solidFill>
-                <a:latin typeface="+mn-lt"/>
-                <a:ea typeface="+mn-ea"/>
-                <a:cs typeface="+mn-cs"/>
-              </a:defRPr>
-            </a:lvl4pPr>
-            <a:lvl5pPr marL="1543050" indent="-171450" algn="l" defTabSz="342900" rtl="0" eaLnBrk="1" latinLnBrk="0" hangingPunct="1">
-              <a:spcBef>
-                <a:spcPct val="20000"/>
-              </a:spcBef>
-              <a:buFont typeface="Arial"/>
-              <a:buChar char="»"/>
-              <a:defRPr sz="1500" kern="1200">
-                <a:solidFill>
-                  <a:schemeClr val="tx1"/>
-                </a:solidFill>
-                <a:latin typeface="+mn-lt"/>
-                <a:ea typeface="+mn-ea"/>
-                <a:cs typeface="+mn-cs"/>
-              </a:defRPr>
-            </a:lvl5pPr>
-            <a:lvl6pPr marL="1885950" indent="-171450" algn="l" defTabSz="342900" rtl="0" eaLnBrk="1" latinLnBrk="0" hangingPunct="1">
-              <a:spcBef>
-                <a:spcPct val="20000"/>
-              </a:spcBef>
-              <a:buFont typeface="Arial"/>
-              <a:buChar char="•"/>
-              <a:defRPr sz="1500" kern="1200">
-                <a:solidFill>
-                  <a:schemeClr val="tx1"/>
-                </a:solidFill>
-                <a:latin typeface="+mn-lt"/>
-                <a:ea typeface="+mn-ea"/>
-                <a:cs typeface="+mn-cs"/>
-              </a:defRPr>
-            </a:lvl6pPr>
-            <a:lvl7pPr marL="2228850" indent="-171450" algn="l" defTabSz="342900" rtl="0" eaLnBrk="1" latinLnBrk="0" hangingPunct="1">
-              <a:spcBef>
-                <a:spcPct val="20000"/>
-              </a:spcBef>
-              <a:buFont typeface="Arial"/>
-              <a:buChar char="•"/>
-              <a:defRPr sz="1500" kern="1200">
-                <a:solidFill>
-                  <a:schemeClr val="tx1"/>
-                </a:solidFill>
-                <a:latin typeface="+mn-lt"/>
-                <a:ea typeface="+mn-ea"/>
-                <a:cs typeface="+mn-cs"/>
-              </a:defRPr>
-            </a:lvl7pPr>
-            <a:lvl8pPr marL="2571750" indent="-171450" algn="l" defTabSz="342900" rtl="0" eaLnBrk="1" latinLnBrk="0" hangingPunct="1">
-              <a:spcBef>
-                <a:spcPct val="20000"/>
-              </a:spcBef>
-              <a:buFont typeface="Arial"/>
-              <a:buChar char="•"/>
-              <a:defRPr sz="1500" kern="1200">
-                <a:solidFill>
-                  <a:schemeClr val="tx1"/>
-                </a:solidFill>
-                <a:latin typeface="+mn-lt"/>
-                <a:ea typeface="+mn-ea"/>
-                <a:cs typeface="+mn-cs"/>
-              </a:defRPr>
-            </a:lvl8pPr>
-            <a:lvl9pPr marL="2914650" indent="-171450" algn="l" defTabSz="342900" rtl="0" eaLnBrk="1" latinLnBrk="0" hangingPunct="1">
-              <a:spcBef>
-                <a:spcPct val="20000"/>
-              </a:spcBef>
-              <a:buFont typeface="Arial"/>
-              <a:buChar char="•"/>
-              <a:defRPr sz="1500" kern="1200">
-                <a:solidFill>
-                  <a:schemeClr val="tx1"/>
-                </a:solidFill>
-                <a:latin typeface="+mn-lt"/>
-                <a:ea typeface="+mn-ea"/>
-                <a:cs typeface="+mn-cs"/>
-              </a:defRPr>
-            </a:lvl9pPr>
-          </a:lstStyle>
-          <a:p>
-            <a:pPr marL="173736" lvl="2" indent="-173736">
-              <a:lnSpc>
-                <a:spcPct val="110000"/>
-              </a:lnSpc>
-              <a:spcBef>
-                <a:spcPts val="0"/>
-              </a:spcBef>
-              <a:spcAft>
-                <a:spcPts val="1300"/>
-              </a:spcAft>
-              <a:buClr>
-                <a:srgbClr val="2FC2D9"/>
-              </a:buClr>
-              <a:defRPr/>
-            </a:pPr>
-            <a:r>
-              <a:rPr lang="en-US" dirty="0"/>
-              <a:t>UDFs cannot do the following:</a:t>
-            </a:r>
-          </a:p>
-          <a:p>
-            <a:pPr marL="516636" lvl="3" indent="-173736">
-              <a:lnSpc>
-                <a:spcPct val="110000"/>
-              </a:lnSpc>
-              <a:spcBef>
-                <a:spcPts val="0"/>
-              </a:spcBef>
-              <a:spcAft>
-                <a:spcPts val="1300"/>
-              </a:spcAft>
-              <a:buClr>
-                <a:srgbClr val="2FC2D9"/>
-              </a:buClr>
-              <a:defRPr/>
-            </a:pPr>
-            <a:r>
-              <a:rPr lang="en-US" dirty="0"/>
-              <a:t>Apply any schema or data changes in the database.</a:t>
-            </a:r>
-          </a:p>
-          <a:p>
-            <a:pPr marL="516636" lvl="3" indent="-173736">
-              <a:lnSpc>
-                <a:spcPct val="110000"/>
-              </a:lnSpc>
-              <a:spcBef>
-                <a:spcPts val="0"/>
-              </a:spcBef>
-              <a:spcAft>
-                <a:spcPts val="1300"/>
-              </a:spcAft>
-              <a:buClr>
-                <a:srgbClr val="2FC2D9"/>
-              </a:buClr>
-              <a:defRPr/>
-            </a:pPr>
-            <a:r>
-              <a:rPr lang="en-US" dirty="0"/>
-              <a:t>Change the state of a database or SQL Server instance.</a:t>
-            </a:r>
-          </a:p>
-          <a:p>
-            <a:pPr marL="516636" lvl="3" indent="-173736">
-              <a:lnSpc>
-                <a:spcPct val="110000"/>
-              </a:lnSpc>
-              <a:spcBef>
-                <a:spcPts val="0"/>
-              </a:spcBef>
-              <a:spcAft>
-                <a:spcPts val="1300"/>
-              </a:spcAft>
-              <a:buClr>
-                <a:srgbClr val="2FC2D9"/>
-              </a:buClr>
-              <a:defRPr/>
-            </a:pPr>
-            <a:r>
-              <a:rPr lang="en-US" dirty="0"/>
-              <a:t>Create or access temporary tables.</a:t>
-            </a:r>
-          </a:p>
-          <a:p>
-            <a:pPr marL="516636" lvl="3" indent="-173736">
-              <a:lnSpc>
-                <a:spcPct val="110000"/>
-              </a:lnSpc>
-              <a:spcBef>
-                <a:spcPts val="0"/>
-              </a:spcBef>
-              <a:spcAft>
-                <a:spcPts val="1300"/>
-              </a:spcAft>
-              <a:buClr>
-                <a:srgbClr val="2FC2D9"/>
-              </a:buClr>
-              <a:defRPr/>
-            </a:pPr>
-            <a:r>
-              <a:rPr lang="en-US" dirty="0"/>
-              <a:t>Call stored procedures.</a:t>
-            </a:r>
-          </a:p>
-          <a:p>
-            <a:pPr marL="516636" lvl="3" indent="-173736">
-              <a:lnSpc>
-                <a:spcPct val="110000"/>
-              </a:lnSpc>
-              <a:spcBef>
-                <a:spcPts val="0"/>
-              </a:spcBef>
-              <a:spcAft>
-                <a:spcPts val="1300"/>
-              </a:spcAft>
-              <a:buClr>
-                <a:srgbClr val="2FC2D9"/>
-              </a:buClr>
-              <a:defRPr/>
-            </a:pPr>
-            <a:r>
-              <a:rPr lang="en-US" dirty="0"/>
-              <a:t>Execute dynamic SQL.</a:t>
-            </a:r>
-          </a:p>
-          <a:p>
-            <a:pPr marL="516636" lvl="3" indent="-173736">
-              <a:lnSpc>
-                <a:spcPct val="110000"/>
-              </a:lnSpc>
-              <a:spcBef>
-                <a:spcPts val="0"/>
-              </a:spcBef>
-              <a:spcAft>
-                <a:spcPts val="1300"/>
-              </a:spcAft>
-              <a:buClr>
-                <a:srgbClr val="2FC2D9"/>
-              </a:buClr>
-              <a:defRPr/>
-            </a:pPr>
-            <a:r>
-              <a:rPr lang="en-US" dirty="0"/>
-              <a:t>Produce side effects. For example, both the RAND() and NEWID()</a:t>
-            </a:r>
-          </a:p>
-        </p:txBody>
-      </p:sp>
-      <p:sp>
-        <p:nvSpPr>
-          <p:cNvPr id="5" name="Title 4">
-            <a:extLst>
-              <a:ext uri="{FF2B5EF4-FFF2-40B4-BE49-F238E27FC236}">
-                <a16:creationId xmlns:a16="http://schemas.microsoft.com/office/drawing/2014/main" id="{EB206E85-2C3A-4AD1-A933-4660CC3279AE}"/>
-              </a:ext>
-            </a:extLst>
-          </p:cNvPr>
-          <p:cNvSpPr>
-            <a:spLocks noGrp="1"/>
-          </p:cNvSpPr>
-          <p:nvPr>
-            <p:ph type="title"/>
-          </p:nvPr>
-        </p:nvSpPr>
-        <p:spPr/>
-        <p:txBody>
-          <a:bodyPr/>
-          <a:lstStyle/>
-          <a:p>
-            <a:r>
-              <a:rPr lang="en-US" dirty="0"/>
-              <a:t>Implementing User-Defined Functions</a:t>
-            </a:r>
-          </a:p>
-        </p:txBody>
-      </p:sp>
-      <p:sp>
-        <p:nvSpPr>
-          <p:cNvPr id="7" name="Text Placeholder 6">
-            <a:extLst>
-              <a:ext uri="{FF2B5EF4-FFF2-40B4-BE49-F238E27FC236}">
-                <a16:creationId xmlns:a16="http://schemas.microsoft.com/office/drawing/2014/main" id="{548208F3-A97F-4C56-8A21-F81F2F8ACA5B}"/>
-              </a:ext>
-            </a:extLst>
-          </p:cNvPr>
-          <p:cNvSpPr>
-            <a:spLocks noGrp="1"/>
-          </p:cNvSpPr>
-          <p:nvPr>
-            <p:ph type="body" sz="quarter" idx="11"/>
-          </p:nvPr>
-        </p:nvSpPr>
-        <p:spPr/>
-        <p:txBody>
-          <a:bodyPr/>
-          <a:lstStyle/>
-          <a:p>
-            <a:r>
-              <a:rPr lang="en-US" dirty="0"/>
-              <a:t>Limitations on UDFs</a:t>
-            </a:r>
-          </a:p>
-        </p:txBody>
-      </p:sp>
-      <p:sp>
-        <p:nvSpPr>
-          <p:cNvPr id="8" name="Slide Number Placeholder 7">
-            <a:extLst>
-              <a:ext uri="{FF2B5EF4-FFF2-40B4-BE49-F238E27FC236}">
-                <a16:creationId xmlns:a16="http://schemas.microsoft.com/office/drawing/2014/main" id="{128A9447-CB42-4B03-8EC2-F687F1583EBC}"/>
-              </a:ext>
-            </a:extLst>
-          </p:cNvPr>
-          <p:cNvSpPr>
-            <a:spLocks noGrp="1"/>
-          </p:cNvSpPr>
-          <p:nvPr>
-            <p:ph type="sldNum" sz="quarter" idx="4"/>
-          </p:nvPr>
-        </p:nvSpPr>
-        <p:spPr/>
-        <p:txBody>
-          <a:bodyPr/>
-          <a:lstStyle/>
-          <a:p>
-            <a:pPr marL="0" marR="0" lvl="0" indent="0" algn="r" defTabSz="342900" rtl="0" eaLnBrk="1" fontAlgn="auto" latinLnBrk="0" hangingPunct="1">
-              <a:lnSpc>
-                <a:spcPct val="100000"/>
-              </a:lnSpc>
-              <a:spcBef>
-                <a:spcPts val="0"/>
-              </a:spcBef>
-              <a:spcAft>
-                <a:spcPts val="0"/>
-              </a:spcAft>
-              <a:buClrTx/>
-              <a:buSzTx/>
-              <a:buFontTx/>
-              <a:buNone/>
-              <a:tabLst/>
-              <a:defRPr/>
-            </a:pPr>
-            <a:fld id="{3A707DD9-E92B-45E8-BE0A-E6B2EDF345EB}" type="slidenum">
-              <a:rPr kumimoji="0" lang="en-US" sz="800" b="1" i="0" u="none" strike="noStrike" kern="1200" cap="none" spc="0" normalizeH="0" baseline="0" noProof="0" smtClean="0">
-                <a:ln>
-                  <a:noFill/>
-                </a:ln>
-                <a:solidFill>
-                  <a:srgbClr val="FEFEFE"/>
-                </a:solidFill>
-                <a:effectLst/>
-                <a:uLnTx/>
-                <a:uFillTx/>
-                <a:latin typeface="Calibri Light"/>
-                <a:ea typeface="+mn-ea"/>
-                <a:cs typeface="+mn-cs"/>
-              </a:rPr>
-              <a:pPr marL="0" marR="0" lvl="0" indent="0" algn="r" defTabSz="342900" rtl="0" eaLnBrk="1" fontAlgn="auto" latinLnBrk="0" hangingPunct="1">
-                <a:lnSpc>
-                  <a:spcPct val="100000"/>
-                </a:lnSpc>
-                <a:spcBef>
-                  <a:spcPts val="0"/>
-                </a:spcBef>
-                <a:spcAft>
-                  <a:spcPts val="0"/>
-                </a:spcAft>
-                <a:buClrTx/>
-                <a:buSzTx/>
-                <a:buFontTx/>
-                <a:buNone/>
-                <a:tabLst/>
-                <a:defRPr/>
-              </a:pPr>
-              <a:t>37</a:t>
-            </a:fld>
-            <a:endParaRPr kumimoji="0" lang="en-US" sz="800" b="1" i="0" u="none" strike="noStrike" kern="1200" cap="none" spc="0" normalizeH="0" baseline="0" noProof="0" dirty="0">
-              <a:ln>
-                <a:noFill/>
-              </a:ln>
-              <a:solidFill>
-                <a:srgbClr val="FEFEFE"/>
-              </a:solidFill>
-              <a:effectLst/>
-              <a:uLnTx/>
-              <a:uFillTx/>
-              <a:latin typeface="Calibri Light"/>
-              <a:ea typeface="+mn-ea"/>
-              <a:cs typeface="+mn-cs"/>
-            </a:endParaRPr>
-          </a:p>
-        </p:txBody>
-      </p:sp>
-    </p:spTree>
-    <p:extLst>
-      <p:ext uri="{BB962C8B-B14F-4D97-AF65-F5344CB8AC3E}">
-        <p14:creationId xmlns:p14="http://schemas.microsoft.com/office/powerpoint/2010/main" val="1049762199"/>
-      </p:ext>
-    </p:extLst>
-  </p:cSld>
-  <p:clrMapOvr>
-    <a:masterClrMapping/>
-  </p:clrMapOvr>
-</p:sld>
-</file>
-
-<file path=ppt/slides/slide38.xml><?xml version="1.0" encoding="utf-8"?>
 <p:sld xmlns:a="http://schemas.openxmlformats.org/drawingml/2006/main" xmlns:r="http://schemas.openxmlformats.org/officeDocument/2006/relationships" xmlns:p="http://schemas.openxmlformats.org/presentationml/2006/main">
   <p:cSld>
     <p:spTree>
@@ -34662,7 +34312,7 @@
                 <a:tabLst/>
                 <a:defRPr/>
               </a:pPr>
-              <a:t>38</a:t>
+              <a:t>37</a:t>
             </a:fld>
             <a:endParaRPr kumimoji="0" lang="en-US" sz="800" b="1" i="0" u="none" strike="noStrike" kern="1200" cap="none" spc="0" normalizeH="0" baseline="0" noProof="0" dirty="0">
               <a:ln>
@@ -34694,7 +34344,7 @@
 </p:sld>
 </file>
 
-<file path=ppt/slides/slide39.xml><?xml version="1.0" encoding="utf-8"?>
+<file path=ppt/slides/slide38.xml><?xml version="1.0" encoding="utf-8"?>
 <p:sld xmlns:a="http://schemas.openxmlformats.org/drawingml/2006/main" xmlns:r="http://schemas.openxmlformats.org/officeDocument/2006/relationships" xmlns:p="http://schemas.openxmlformats.org/presentationml/2006/main">
   <p:cSld>
     <p:spTree>
@@ -34781,441 +34431,7 @@
 </p:sld>
 </file>
 
-<file path=ppt/slides/slide4.xml><?xml version="1.0" encoding="utf-8"?>
-<p:sld xmlns:a="http://schemas.openxmlformats.org/drawingml/2006/main" xmlns:r="http://schemas.openxmlformats.org/officeDocument/2006/relationships" xmlns:p="http://schemas.openxmlformats.org/presentationml/2006/main">
-  <p:cSld>
-    <p:spTree>
-      <p:nvGrpSpPr>
-        <p:cNvPr id="1" name=""/>
-        <p:cNvGrpSpPr/>
-        <p:nvPr/>
-      </p:nvGrpSpPr>
-      <p:grpSpPr>
-        <a:xfrm>
-          <a:off x="0" y="0"/>
-          <a:ext cx="0" cy="0"/>
-          <a:chOff x="0" y="0"/>
-          <a:chExt cx="0" cy="0"/>
-        </a:xfrm>
-      </p:grpSpPr>
-      <p:sp>
-        <p:nvSpPr>
-          <p:cNvPr id="6" name="Content Placeholder 2"/>
-          <p:cNvSpPr txBox="1">
-            <a:spLocks/>
-          </p:cNvSpPr>
-          <p:nvPr/>
-        </p:nvSpPr>
-        <p:spPr>
-          <a:xfrm>
-            <a:off x="386227" y="1503470"/>
-            <a:ext cx="4103580" cy="3287972"/>
-          </a:xfrm>
-          <a:prstGeom prst="rect">
-            <a:avLst/>
-          </a:prstGeom>
-        </p:spPr>
-        <p:txBody>
-          <a:bodyPr/>
-          <a:lstStyle>
-            <a:lvl1pPr marL="257175" indent="-257175" algn="l" defTabSz="342900" rtl="0" eaLnBrk="1" latinLnBrk="0" hangingPunct="1">
-              <a:spcBef>
-                <a:spcPct val="20000"/>
-              </a:spcBef>
-              <a:buFont typeface="Arial"/>
-              <a:buChar char="•"/>
-              <a:defRPr sz="2400" kern="1200">
-                <a:solidFill>
-                  <a:schemeClr val="tx1"/>
-                </a:solidFill>
-                <a:latin typeface="+mn-lt"/>
-                <a:ea typeface="+mn-ea"/>
-                <a:cs typeface="+mn-cs"/>
-              </a:defRPr>
-            </a:lvl1pPr>
-            <a:lvl2pPr marL="557213" indent="-214313" algn="l" defTabSz="342900" rtl="0" eaLnBrk="1" latinLnBrk="0" hangingPunct="1">
-              <a:spcBef>
-                <a:spcPct val="20000"/>
-              </a:spcBef>
-              <a:buFont typeface="Arial"/>
-              <a:buChar char="–"/>
-              <a:defRPr sz="2100" kern="1200">
-                <a:solidFill>
-                  <a:schemeClr val="tx1"/>
-                </a:solidFill>
-                <a:latin typeface="+mn-lt"/>
-                <a:ea typeface="+mn-ea"/>
-                <a:cs typeface="+mn-cs"/>
-              </a:defRPr>
-            </a:lvl2pPr>
-            <a:lvl3pPr marL="857250" indent="-171450" algn="l" defTabSz="342900" rtl="0" eaLnBrk="1" latinLnBrk="0" hangingPunct="1">
-              <a:spcBef>
-                <a:spcPct val="20000"/>
-              </a:spcBef>
-              <a:buFont typeface="Arial"/>
-              <a:buChar char="•"/>
-              <a:defRPr sz="1800" kern="1200">
-                <a:solidFill>
-                  <a:schemeClr val="tx1"/>
-                </a:solidFill>
-                <a:latin typeface="+mn-lt"/>
-                <a:ea typeface="+mn-ea"/>
-                <a:cs typeface="+mn-cs"/>
-              </a:defRPr>
-            </a:lvl3pPr>
-            <a:lvl4pPr marL="1200150" indent="-171450" algn="l" defTabSz="342900" rtl="0" eaLnBrk="1" latinLnBrk="0" hangingPunct="1">
-              <a:spcBef>
-                <a:spcPct val="20000"/>
-              </a:spcBef>
-              <a:buFont typeface="Arial"/>
-              <a:buChar char="–"/>
-              <a:defRPr sz="1500" kern="1200">
-                <a:solidFill>
-                  <a:schemeClr val="tx1"/>
-                </a:solidFill>
-                <a:latin typeface="+mn-lt"/>
-                <a:ea typeface="+mn-ea"/>
-                <a:cs typeface="+mn-cs"/>
-              </a:defRPr>
-            </a:lvl4pPr>
-            <a:lvl5pPr marL="1543050" indent="-171450" algn="l" defTabSz="342900" rtl="0" eaLnBrk="1" latinLnBrk="0" hangingPunct="1">
-              <a:spcBef>
-                <a:spcPct val="20000"/>
-              </a:spcBef>
-              <a:buFont typeface="Arial"/>
-              <a:buChar char="»"/>
-              <a:defRPr sz="1500" kern="1200">
-                <a:solidFill>
-                  <a:schemeClr val="tx1"/>
-                </a:solidFill>
-                <a:latin typeface="+mn-lt"/>
-                <a:ea typeface="+mn-ea"/>
-                <a:cs typeface="+mn-cs"/>
-              </a:defRPr>
-            </a:lvl5pPr>
-            <a:lvl6pPr marL="1885950" indent="-171450" algn="l" defTabSz="342900" rtl="0" eaLnBrk="1" latinLnBrk="0" hangingPunct="1">
-              <a:spcBef>
-                <a:spcPct val="20000"/>
-              </a:spcBef>
-              <a:buFont typeface="Arial"/>
-              <a:buChar char="•"/>
-              <a:defRPr sz="1500" kern="1200">
-                <a:solidFill>
-                  <a:schemeClr val="tx1"/>
-                </a:solidFill>
-                <a:latin typeface="+mn-lt"/>
-                <a:ea typeface="+mn-ea"/>
-                <a:cs typeface="+mn-cs"/>
-              </a:defRPr>
-            </a:lvl6pPr>
-            <a:lvl7pPr marL="2228850" indent="-171450" algn="l" defTabSz="342900" rtl="0" eaLnBrk="1" latinLnBrk="0" hangingPunct="1">
-              <a:spcBef>
-                <a:spcPct val="20000"/>
-              </a:spcBef>
-              <a:buFont typeface="Arial"/>
-              <a:buChar char="•"/>
-              <a:defRPr sz="1500" kern="1200">
-                <a:solidFill>
-                  <a:schemeClr val="tx1"/>
-                </a:solidFill>
-                <a:latin typeface="+mn-lt"/>
-                <a:ea typeface="+mn-ea"/>
-                <a:cs typeface="+mn-cs"/>
-              </a:defRPr>
-            </a:lvl7pPr>
-            <a:lvl8pPr marL="2571750" indent="-171450" algn="l" defTabSz="342900" rtl="0" eaLnBrk="1" latinLnBrk="0" hangingPunct="1">
-              <a:spcBef>
-                <a:spcPct val="20000"/>
-              </a:spcBef>
-              <a:buFont typeface="Arial"/>
-              <a:buChar char="•"/>
-              <a:defRPr sz="1500" kern="1200">
-                <a:solidFill>
-                  <a:schemeClr val="tx1"/>
-                </a:solidFill>
-                <a:latin typeface="+mn-lt"/>
-                <a:ea typeface="+mn-ea"/>
-                <a:cs typeface="+mn-cs"/>
-              </a:defRPr>
-            </a:lvl8pPr>
-            <a:lvl9pPr marL="2914650" indent="-171450" algn="l" defTabSz="342900" rtl="0" eaLnBrk="1" latinLnBrk="0" hangingPunct="1">
-              <a:spcBef>
-                <a:spcPct val="20000"/>
-              </a:spcBef>
-              <a:buFont typeface="Arial"/>
-              <a:buChar char="•"/>
-              <a:defRPr sz="1500" kern="1200">
-                <a:solidFill>
-                  <a:schemeClr val="tx1"/>
-                </a:solidFill>
-                <a:latin typeface="+mn-lt"/>
-                <a:ea typeface="+mn-ea"/>
-                <a:cs typeface="+mn-cs"/>
-              </a:defRPr>
-            </a:lvl9pPr>
-          </a:lstStyle>
-          <a:p>
-            <a:pPr marL="173736" lvl="2" indent="-173736">
-              <a:lnSpc>
-                <a:spcPct val="110000"/>
-              </a:lnSpc>
-              <a:spcBef>
-                <a:spcPts val="0"/>
-              </a:spcBef>
-              <a:spcAft>
-                <a:spcPts val="1300"/>
-              </a:spcAft>
-              <a:buClr>
-                <a:srgbClr val="2FC2D9"/>
-              </a:buClr>
-              <a:defRPr/>
-            </a:pPr>
-            <a:r>
-              <a:rPr lang="en-US" sz="1600" dirty="0">
-                <a:solidFill>
-                  <a:srgbClr val="444444"/>
-                </a:solidFill>
-                <a:ea typeface="ＭＳ Ｐゴシック" pitchFamily="34" charset="-128"/>
-              </a:rPr>
-              <a:t>Base tables</a:t>
-            </a:r>
-          </a:p>
-          <a:p>
-            <a:pPr marL="173736" lvl="2" indent="-173736">
-              <a:lnSpc>
-                <a:spcPct val="110000"/>
-              </a:lnSpc>
-              <a:spcBef>
-                <a:spcPts val="0"/>
-              </a:spcBef>
-              <a:spcAft>
-                <a:spcPts val="1300"/>
-              </a:spcAft>
-              <a:buClr>
-                <a:srgbClr val="2FC2D9"/>
-              </a:buClr>
-              <a:defRPr/>
-            </a:pPr>
-            <a:r>
-              <a:rPr lang="en-US" sz="1600" dirty="0">
-                <a:solidFill>
-                  <a:srgbClr val="444444"/>
-                </a:solidFill>
-                <a:ea typeface="ＭＳ Ｐゴシック" pitchFamily="34" charset="-128"/>
-              </a:rPr>
-              <a:t>Temporary tables</a:t>
-            </a:r>
-          </a:p>
-          <a:p>
-            <a:pPr marL="173736" lvl="2" indent="-173736">
-              <a:lnSpc>
-                <a:spcPct val="110000"/>
-              </a:lnSpc>
-              <a:spcBef>
-                <a:spcPts val="0"/>
-              </a:spcBef>
-              <a:spcAft>
-                <a:spcPts val="1300"/>
-              </a:spcAft>
-              <a:buClr>
-                <a:srgbClr val="2FC2D9"/>
-              </a:buClr>
-              <a:defRPr/>
-            </a:pPr>
-            <a:r>
-              <a:rPr lang="en-US" sz="1600" dirty="0">
-                <a:solidFill>
-                  <a:srgbClr val="444444"/>
-                </a:solidFill>
-                <a:ea typeface="ＭＳ Ｐゴシック" pitchFamily="34" charset="-128"/>
-              </a:rPr>
-              <a:t>Table variables</a:t>
-            </a:r>
-          </a:p>
-          <a:p>
-            <a:pPr marL="173736" lvl="2" indent="-173736">
-              <a:lnSpc>
-                <a:spcPct val="110000"/>
-              </a:lnSpc>
-              <a:spcBef>
-                <a:spcPts val="0"/>
-              </a:spcBef>
-              <a:spcAft>
-                <a:spcPts val="1300"/>
-              </a:spcAft>
-              <a:buClr>
-                <a:srgbClr val="2FC2D9"/>
-              </a:buClr>
-              <a:defRPr/>
-            </a:pPr>
-            <a:r>
-              <a:rPr lang="en-US" sz="1600" dirty="0">
-                <a:solidFill>
-                  <a:srgbClr val="444444"/>
-                </a:solidFill>
-                <a:ea typeface="ＭＳ Ｐゴシック" pitchFamily="34" charset="-128"/>
-              </a:rPr>
-              <a:t>Views</a:t>
-            </a:r>
-          </a:p>
-          <a:p>
-            <a:pPr marL="173736" lvl="2" indent="-173736">
-              <a:lnSpc>
-                <a:spcPct val="110000"/>
-              </a:lnSpc>
-              <a:spcBef>
-                <a:spcPts val="0"/>
-              </a:spcBef>
-              <a:spcAft>
-                <a:spcPts val="1300"/>
-              </a:spcAft>
-              <a:buClr>
-                <a:srgbClr val="2FC2D9"/>
-              </a:buClr>
-              <a:defRPr/>
-            </a:pPr>
-            <a:r>
-              <a:rPr lang="en-US" sz="1600" dirty="0">
-                <a:solidFill>
-                  <a:srgbClr val="444444"/>
-                </a:solidFill>
-                <a:ea typeface="ＭＳ Ｐゴシック" pitchFamily="34" charset="-128"/>
-              </a:rPr>
-              <a:t>Indexed views</a:t>
-            </a:r>
-          </a:p>
-          <a:p>
-            <a:pPr marL="173736" lvl="2" indent="-173736">
-              <a:lnSpc>
-                <a:spcPct val="110000"/>
-              </a:lnSpc>
-              <a:spcBef>
-                <a:spcPts val="0"/>
-              </a:spcBef>
-              <a:spcAft>
-                <a:spcPts val="1300"/>
-              </a:spcAft>
-              <a:buClr>
-                <a:srgbClr val="2FC2D9"/>
-              </a:buClr>
-              <a:defRPr/>
-            </a:pPr>
-            <a:r>
-              <a:rPr lang="en-US" sz="1600" dirty="0">
-                <a:solidFill>
-                  <a:srgbClr val="444444"/>
-                </a:solidFill>
-                <a:ea typeface="ＭＳ Ｐゴシック" pitchFamily="34" charset="-128"/>
-              </a:rPr>
-              <a:t>Derived tables and table expressions</a:t>
-            </a:r>
-          </a:p>
-        </p:txBody>
-      </p:sp>
-      <p:sp>
-        <p:nvSpPr>
-          <p:cNvPr id="4" name="Title 3">
-            <a:extLst>
-              <a:ext uri="{FF2B5EF4-FFF2-40B4-BE49-F238E27FC236}">
-                <a16:creationId xmlns:a16="http://schemas.microsoft.com/office/drawing/2014/main" id="{F6C3297E-7F77-448B-A0A4-18CFB7CF7864}"/>
-              </a:ext>
-            </a:extLst>
-          </p:cNvPr>
-          <p:cNvSpPr>
-            <a:spLocks noGrp="1"/>
-          </p:cNvSpPr>
-          <p:nvPr>
-            <p:ph type="title"/>
-          </p:nvPr>
-        </p:nvSpPr>
-        <p:spPr/>
-        <p:txBody>
-          <a:bodyPr/>
-          <a:lstStyle/>
-          <a:p>
-            <a:r>
-              <a:rPr lang="en-US" b="1" spc="300" dirty="0"/>
-              <a:t>Creating and Altering Tables</a:t>
-            </a:r>
-            <a:endParaRPr lang="en-US" dirty="0"/>
-          </a:p>
-        </p:txBody>
-      </p:sp>
-      <p:sp>
-        <p:nvSpPr>
-          <p:cNvPr id="7" name="Text Placeholder 6">
-            <a:extLst>
-              <a:ext uri="{FF2B5EF4-FFF2-40B4-BE49-F238E27FC236}">
-                <a16:creationId xmlns:a16="http://schemas.microsoft.com/office/drawing/2014/main" id="{CD6FE11B-8675-45A6-B8D2-C70F58B4CCC4}"/>
-              </a:ext>
-            </a:extLst>
-          </p:cNvPr>
-          <p:cNvSpPr>
-            <a:spLocks noGrp="1"/>
-          </p:cNvSpPr>
-          <p:nvPr>
-            <p:ph type="body" sz="quarter" idx="11"/>
-          </p:nvPr>
-        </p:nvSpPr>
-        <p:spPr/>
-        <p:txBody>
-          <a:bodyPr/>
-          <a:lstStyle/>
-          <a:p>
-            <a:r>
-              <a:rPr lang="en-US" b="1" dirty="0"/>
-              <a:t>Creating and Altering Tables</a:t>
-            </a:r>
-          </a:p>
-          <a:p>
-            <a:endParaRPr lang="en-US" dirty="0"/>
-          </a:p>
-        </p:txBody>
-      </p:sp>
-      <p:sp>
-        <p:nvSpPr>
-          <p:cNvPr id="8" name="Slide Number Placeholder 7">
-            <a:extLst>
-              <a:ext uri="{FF2B5EF4-FFF2-40B4-BE49-F238E27FC236}">
-                <a16:creationId xmlns:a16="http://schemas.microsoft.com/office/drawing/2014/main" id="{2B672445-A8E0-4F3C-AE2A-77A45493CA82}"/>
-              </a:ext>
-            </a:extLst>
-          </p:cNvPr>
-          <p:cNvSpPr>
-            <a:spLocks noGrp="1"/>
-          </p:cNvSpPr>
-          <p:nvPr>
-            <p:ph type="sldNum" sz="quarter" idx="4"/>
-          </p:nvPr>
-        </p:nvSpPr>
-        <p:spPr/>
-        <p:txBody>
-          <a:bodyPr/>
-          <a:lstStyle/>
-          <a:p>
-            <a:fld id="{3A707DD9-E92B-45E8-BE0A-E6B2EDF345EB}" type="slidenum">
-              <a:rPr lang="en-US" smtClean="0"/>
-              <a:pPr/>
-              <a:t>4</a:t>
-            </a:fld>
-            <a:endParaRPr lang="en-US" dirty="0"/>
-          </a:p>
-        </p:txBody>
-      </p:sp>
-    </p:spTree>
-    <p:extLst>
-      <p:ext uri="{BB962C8B-B14F-4D97-AF65-F5344CB8AC3E}">
-        <p14:creationId xmlns:p14="http://schemas.microsoft.com/office/powerpoint/2010/main" val="4182242513"/>
-      </p:ext>
-    </p:extLst>
-  </p:cSld>
-  <p:clrMapOvr>
-    <a:masterClrMapping/>
-  </p:clrMapOvr>
-</p:sld>
-</file>
-
-<file path=ppt/slides/slide40.xml><?xml version="1.0" encoding="utf-8"?>
+<file path=ppt/slides/slide39.xml><?xml version="1.0" encoding="utf-8"?>
 <p:sld xmlns:a="http://schemas.openxmlformats.org/drawingml/2006/main" xmlns:r="http://schemas.openxmlformats.org/officeDocument/2006/relationships" xmlns:p="http://schemas.openxmlformats.org/presentationml/2006/main">
   <p:cSld>
     <p:spTree>
@@ -35596,7 +34812,7 @@
             <a:fld id="{3A707DD9-E92B-45E8-BE0A-E6B2EDF345EB}" type="slidenum">
               <a:rPr lang="en-US" smtClean="0"/>
               <a:pPr/>
-              <a:t>40</a:t>
+              <a:t>39</a:t>
             </a:fld>
             <a:endParaRPr lang="en-US" dirty="0"/>
           </a:p>
@@ -35615,7 +34831,441 @@
 </p:sld>
 </file>
 
-<file path=ppt/slides/slide41.xml><?xml version="1.0" encoding="utf-8"?>
+<file path=ppt/slides/slide4.xml><?xml version="1.0" encoding="utf-8"?>
+<p:sld xmlns:a="http://schemas.openxmlformats.org/drawingml/2006/main" xmlns:r="http://schemas.openxmlformats.org/officeDocument/2006/relationships" xmlns:p="http://schemas.openxmlformats.org/presentationml/2006/main">
+  <p:cSld>
+    <p:spTree>
+      <p:nvGrpSpPr>
+        <p:cNvPr id="1" name=""/>
+        <p:cNvGrpSpPr/>
+        <p:nvPr/>
+      </p:nvGrpSpPr>
+      <p:grpSpPr>
+        <a:xfrm>
+          <a:off x="0" y="0"/>
+          <a:ext cx="0" cy="0"/>
+          <a:chOff x="0" y="0"/>
+          <a:chExt cx="0" cy="0"/>
+        </a:xfrm>
+      </p:grpSpPr>
+      <p:sp>
+        <p:nvSpPr>
+          <p:cNvPr id="6" name="Content Placeholder 2"/>
+          <p:cNvSpPr txBox="1">
+            <a:spLocks/>
+          </p:cNvSpPr>
+          <p:nvPr/>
+        </p:nvSpPr>
+        <p:spPr>
+          <a:xfrm>
+            <a:off x="386227" y="1503470"/>
+            <a:ext cx="4103580" cy="3287972"/>
+          </a:xfrm>
+          <a:prstGeom prst="rect">
+            <a:avLst/>
+          </a:prstGeom>
+        </p:spPr>
+        <p:txBody>
+          <a:bodyPr/>
+          <a:lstStyle>
+            <a:lvl1pPr marL="257175" indent="-257175" algn="l" defTabSz="342900" rtl="0" eaLnBrk="1" latinLnBrk="0" hangingPunct="1">
+              <a:spcBef>
+                <a:spcPct val="20000"/>
+              </a:spcBef>
+              <a:buFont typeface="Arial"/>
+              <a:buChar char="•"/>
+              <a:defRPr sz="2400" kern="1200">
+                <a:solidFill>
+                  <a:schemeClr val="tx1"/>
+                </a:solidFill>
+                <a:latin typeface="+mn-lt"/>
+                <a:ea typeface="+mn-ea"/>
+                <a:cs typeface="+mn-cs"/>
+              </a:defRPr>
+            </a:lvl1pPr>
+            <a:lvl2pPr marL="557213" indent="-214313" algn="l" defTabSz="342900" rtl="0" eaLnBrk="1" latinLnBrk="0" hangingPunct="1">
+              <a:spcBef>
+                <a:spcPct val="20000"/>
+              </a:spcBef>
+              <a:buFont typeface="Arial"/>
+              <a:buChar char="–"/>
+              <a:defRPr sz="2100" kern="1200">
+                <a:solidFill>
+                  <a:schemeClr val="tx1"/>
+                </a:solidFill>
+                <a:latin typeface="+mn-lt"/>
+                <a:ea typeface="+mn-ea"/>
+                <a:cs typeface="+mn-cs"/>
+              </a:defRPr>
+            </a:lvl2pPr>
+            <a:lvl3pPr marL="857250" indent="-171450" algn="l" defTabSz="342900" rtl="0" eaLnBrk="1" latinLnBrk="0" hangingPunct="1">
+              <a:spcBef>
+                <a:spcPct val="20000"/>
+              </a:spcBef>
+              <a:buFont typeface="Arial"/>
+              <a:buChar char="•"/>
+              <a:defRPr sz="1800" kern="1200">
+                <a:solidFill>
+                  <a:schemeClr val="tx1"/>
+                </a:solidFill>
+                <a:latin typeface="+mn-lt"/>
+                <a:ea typeface="+mn-ea"/>
+                <a:cs typeface="+mn-cs"/>
+              </a:defRPr>
+            </a:lvl3pPr>
+            <a:lvl4pPr marL="1200150" indent="-171450" algn="l" defTabSz="342900" rtl="0" eaLnBrk="1" latinLnBrk="0" hangingPunct="1">
+              <a:spcBef>
+                <a:spcPct val="20000"/>
+              </a:spcBef>
+              <a:buFont typeface="Arial"/>
+              <a:buChar char="–"/>
+              <a:defRPr sz="1500" kern="1200">
+                <a:solidFill>
+                  <a:schemeClr val="tx1"/>
+                </a:solidFill>
+                <a:latin typeface="+mn-lt"/>
+                <a:ea typeface="+mn-ea"/>
+                <a:cs typeface="+mn-cs"/>
+              </a:defRPr>
+            </a:lvl4pPr>
+            <a:lvl5pPr marL="1543050" indent="-171450" algn="l" defTabSz="342900" rtl="0" eaLnBrk="1" latinLnBrk="0" hangingPunct="1">
+              <a:spcBef>
+                <a:spcPct val="20000"/>
+              </a:spcBef>
+              <a:buFont typeface="Arial"/>
+              <a:buChar char="»"/>
+              <a:defRPr sz="1500" kern="1200">
+                <a:solidFill>
+                  <a:schemeClr val="tx1"/>
+                </a:solidFill>
+                <a:latin typeface="+mn-lt"/>
+                <a:ea typeface="+mn-ea"/>
+                <a:cs typeface="+mn-cs"/>
+              </a:defRPr>
+            </a:lvl5pPr>
+            <a:lvl6pPr marL="1885950" indent="-171450" algn="l" defTabSz="342900" rtl="0" eaLnBrk="1" latinLnBrk="0" hangingPunct="1">
+              <a:spcBef>
+                <a:spcPct val="20000"/>
+              </a:spcBef>
+              <a:buFont typeface="Arial"/>
+              <a:buChar char="•"/>
+              <a:defRPr sz="1500" kern="1200">
+                <a:solidFill>
+                  <a:schemeClr val="tx1"/>
+                </a:solidFill>
+                <a:latin typeface="+mn-lt"/>
+                <a:ea typeface="+mn-ea"/>
+                <a:cs typeface="+mn-cs"/>
+              </a:defRPr>
+            </a:lvl6pPr>
+            <a:lvl7pPr marL="2228850" indent="-171450" algn="l" defTabSz="342900" rtl="0" eaLnBrk="1" latinLnBrk="0" hangingPunct="1">
+              <a:spcBef>
+                <a:spcPct val="20000"/>
+              </a:spcBef>
+              <a:buFont typeface="Arial"/>
+              <a:buChar char="•"/>
+              <a:defRPr sz="1500" kern="1200">
+                <a:solidFill>
+                  <a:schemeClr val="tx1"/>
+                </a:solidFill>
+                <a:latin typeface="+mn-lt"/>
+                <a:ea typeface="+mn-ea"/>
+                <a:cs typeface="+mn-cs"/>
+              </a:defRPr>
+            </a:lvl7pPr>
+            <a:lvl8pPr marL="2571750" indent="-171450" algn="l" defTabSz="342900" rtl="0" eaLnBrk="1" latinLnBrk="0" hangingPunct="1">
+              <a:spcBef>
+                <a:spcPct val="20000"/>
+              </a:spcBef>
+              <a:buFont typeface="Arial"/>
+              <a:buChar char="•"/>
+              <a:defRPr sz="1500" kern="1200">
+                <a:solidFill>
+                  <a:schemeClr val="tx1"/>
+                </a:solidFill>
+                <a:latin typeface="+mn-lt"/>
+                <a:ea typeface="+mn-ea"/>
+                <a:cs typeface="+mn-cs"/>
+              </a:defRPr>
+            </a:lvl8pPr>
+            <a:lvl9pPr marL="2914650" indent="-171450" algn="l" defTabSz="342900" rtl="0" eaLnBrk="1" latinLnBrk="0" hangingPunct="1">
+              <a:spcBef>
+                <a:spcPct val="20000"/>
+              </a:spcBef>
+              <a:buFont typeface="Arial"/>
+              <a:buChar char="•"/>
+              <a:defRPr sz="1500" kern="1200">
+                <a:solidFill>
+                  <a:schemeClr val="tx1"/>
+                </a:solidFill>
+                <a:latin typeface="+mn-lt"/>
+                <a:ea typeface="+mn-ea"/>
+                <a:cs typeface="+mn-cs"/>
+              </a:defRPr>
+            </a:lvl9pPr>
+          </a:lstStyle>
+          <a:p>
+            <a:pPr marL="173736" lvl="2" indent="-173736">
+              <a:lnSpc>
+                <a:spcPct val="110000"/>
+              </a:lnSpc>
+              <a:spcBef>
+                <a:spcPts val="0"/>
+              </a:spcBef>
+              <a:spcAft>
+                <a:spcPts val="1300"/>
+              </a:spcAft>
+              <a:buClr>
+                <a:srgbClr val="2FC2D9"/>
+              </a:buClr>
+              <a:defRPr/>
+            </a:pPr>
+            <a:r>
+              <a:rPr lang="en-US" sz="1600" dirty="0">
+                <a:solidFill>
+                  <a:srgbClr val="444444"/>
+                </a:solidFill>
+                <a:ea typeface="ＭＳ Ｐゴシック" pitchFamily="34" charset="-128"/>
+              </a:rPr>
+              <a:t>Base tables</a:t>
+            </a:r>
+          </a:p>
+          <a:p>
+            <a:pPr marL="173736" lvl="2" indent="-173736">
+              <a:lnSpc>
+                <a:spcPct val="110000"/>
+              </a:lnSpc>
+              <a:spcBef>
+                <a:spcPts val="0"/>
+              </a:spcBef>
+              <a:spcAft>
+                <a:spcPts val="1300"/>
+              </a:spcAft>
+              <a:buClr>
+                <a:srgbClr val="2FC2D9"/>
+              </a:buClr>
+              <a:defRPr/>
+            </a:pPr>
+            <a:r>
+              <a:rPr lang="en-US" sz="1600" dirty="0">
+                <a:solidFill>
+                  <a:srgbClr val="444444"/>
+                </a:solidFill>
+                <a:ea typeface="ＭＳ Ｐゴシック" pitchFamily="34" charset="-128"/>
+              </a:rPr>
+              <a:t>Temporary tables</a:t>
+            </a:r>
+          </a:p>
+          <a:p>
+            <a:pPr marL="173736" lvl="2" indent="-173736">
+              <a:lnSpc>
+                <a:spcPct val="110000"/>
+              </a:lnSpc>
+              <a:spcBef>
+                <a:spcPts val="0"/>
+              </a:spcBef>
+              <a:spcAft>
+                <a:spcPts val="1300"/>
+              </a:spcAft>
+              <a:buClr>
+                <a:srgbClr val="2FC2D9"/>
+              </a:buClr>
+              <a:defRPr/>
+            </a:pPr>
+            <a:r>
+              <a:rPr lang="en-US" sz="1600" dirty="0">
+                <a:solidFill>
+                  <a:srgbClr val="444444"/>
+                </a:solidFill>
+                <a:ea typeface="ＭＳ Ｐゴシック" pitchFamily="34" charset="-128"/>
+              </a:rPr>
+              <a:t>Table variables</a:t>
+            </a:r>
+          </a:p>
+          <a:p>
+            <a:pPr marL="173736" lvl="2" indent="-173736">
+              <a:lnSpc>
+                <a:spcPct val="110000"/>
+              </a:lnSpc>
+              <a:spcBef>
+                <a:spcPts val="0"/>
+              </a:spcBef>
+              <a:spcAft>
+                <a:spcPts val="1300"/>
+              </a:spcAft>
+              <a:buClr>
+                <a:srgbClr val="2FC2D9"/>
+              </a:buClr>
+              <a:defRPr/>
+            </a:pPr>
+            <a:r>
+              <a:rPr lang="en-US" sz="1600" dirty="0">
+                <a:solidFill>
+                  <a:srgbClr val="444444"/>
+                </a:solidFill>
+                <a:ea typeface="ＭＳ Ｐゴシック" pitchFamily="34" charset="-128"/>
+              </a:rPr>
+              <a:t>Views</a:t>
+            </a:r>
+          </a:p>
+          <a:p>
+            <a:pPr marL="173736" lvl="2" indent="-173736">
+              <a:lnSpc>
+                <a:spcPct val="110000"/>
+              </a:lnSpc>
+              <a:spcBef>
+                <a:spcPts val="0"/>
+              </a:spcBef>
+              <a:spcAft>
+                <a:spcPts val="1300"/>
+              </a:spcAft>
+              <a:buClr>
+                <a:srgbClr val="2FC2D9"/>
+              </a:buClr>
+              <a:defRPr/>
+            </a:pPr>
+            <a:r>
+              <a:rPr lang="en-US" sz="1600" dirty="0">
+                <a:solidFill>
+                  <a:srgbClr val="444444"/>
+                </a:solidFill>
+                <a:ea typeface="ＭＳ Ｐゴシック" pitchFamily="34" charset="-128"/>
+              </a:rPr>
+              <a:t>Indexed views</a:t>
+            </a:r>
+          </a:p>
+          <a:p>
+            <a:pPr marL="173736" lvl="2" indent="-173736">
+              <a:lnSpc>
+                <a:spcPct val="110000"/>
+              </a:lnSpc>
+              <a:spcBef>
+                <a:spcPts val="0"/>
+              </a:spcBef>
+              <a:spcAft>
+                <a:spcPts val="1300"/>
+              </a:spcAft>
+              <a:buClr>
+                <a:srgbClr val="2FC2D9"/>
+              </a:buClr>
+              <a:defRPr/>
+            </a:pPr>
+            <a:r>
+              <a:rPr lang="en-US" sz="1600" dirty="0">
+                <a:solidFill>
+                  <a:srgbClr val="444444"/>
+                </a:solidFill>
+                <a:ea typeface="ＭＳ Ｐゴシック" pitchFamily="34" charset="-128"/>
+              </a:rPr>
+              <a:t>Derived tables and table expressions</a:t>
+            </a:r>
+          </a:p>
+        </p:txBody>
+      </p:sp>
+      <p:sp>
+        <p:nvSpPr>
+          <p:cNvPr id="4" name="Title 3">
+            <a:extLst>
+              <a:ext uri="{FF2B5EF4-FFF2-40B4-BE49-F238E27FC236}">
+                <a16:creationId xmlns:a16="http://schemas.microsoft.com/office/drawing/2014/main" id="{F6C3297E-7F77-448B-A0A4-18CFB7CF7864}"/>
+              </a:ext>
+            </a:extLst>
+          </p:cNvPr>
+          <p:cNvSpPr>
+            <a:spLocks noGrp="1"/>
+          </p:cNvSpPr>
+          <p:nvPr>
+            <p:ph type="title"/>
+          </p:nvPr>
+        </p:nvSpPr>
+        <p:spPr/>
+        <p:txBody>
+          <a:bodyPr/>
+          <a:lstStyle/>
+          <a:p>
+            <a:r>
+              <a:rPr lang="en-US" b="1" spc="300" dirty="0"/>
+              <a:t>Creating and Altering Tables</a:t>
+            </a:r>
+            <a:endParaRPr lang="en-US" dirty="0"/>
+          </a:p>
+        </p:txBody>
+      </p:sp>
+      <p:sp>
+        <p:nvSpPr>
+          <p:cNvPr id="7" name="Text Placeholder 6">
+            <a:extLst>
+              <a:ext uri="{FF2B5EF4-FFF2-40B4-BE49-F238E27FC236}">
+                <a16:creationId xmlns:a16="http://schemas.microsoft.com/office/drawing/2014/main" id="{CD6FE11B-8675-45A6-B8D2-C70F58B4CCC4}"/>
+              </a:ext>
+            </a:extLst>
+          </p:cNvPr>
+          <p:cNvSpPr>
+            <a:spLocks noGrp="1"/>
+          </p:cNvSpPr>
+          <p:nvPr>
+            <p:ph type="body" sz="quarter" idx="11"/>
+          </p:nvPr>
+        </p:nvSpPr>
+        <p:spPr/>
+        <p:txBody>
+          <a:bodyPr/>
+          <a:lstStyle/>
+          <a:p>
+            <a:r>
+              <a:rPr lang="en-US" b="1" dirty="0"/>
+              <a:t>Creating and Altering Tables</a:t>
+            </a:r>
+          </a:p>
+          <a:p>
+            <a:endParaRPr lang="en-US" dirty="0"/>
+          </a:p>
+        </p:txBody>
+      </p:sp>
+      <p:sp>
+        <p:nvSpPr>
+          <p:cNvPr id="8" name="Slide Number Placeholder 7">
+            <a:extLst>
+              <a:ext uri="{FF2B5EF4-FFF2-40B4-BE49-F238E27FC236}">
+                <a16:creationId xmlns:a16="http://schemas.microsoft.com/office/drawing/2014/main" id="{2B672445-A8E0-4F3C-AE2A-77A45493CA82}"/>
+              </a:ext>
+            </a:extLst>
+          </p:cNvPr>
+          <p:cNvSpPr>
+            <a:spLocks noGrp="1"/>
+          </p:cNvSpPr>
+          <p:nvPr>
+            <p:ph type="sldNum" sz="quarter" idx="4"/>
+          </p:nvPr>
+        </p:nvSpPr>
+        <p:spPr/>
+        <p:txBody>
+          <a:bodyPr/>
+          <a:lstStyle/>
+          <a:p>
+            <a:fld id="{3A707DD9-E92B-45E8-BE0A-E6B2EDF345EB}" type="slidenum">
+              <a:rPr lang="en-US" smtClean="0"/>
+              <a:pPr/>
+              <a:t>4</a:t>
+            </a:fld>
+            <a:endParaRPr lang="en-US" dirty="0"/>
+          </a:p>
+        </p:txBody>
+      </p:sp>
+    </p:spTree>
+    <p:extLst>
+      <p:ext uri="{BB962C8B-B14F-4D97-AF65-F5344CB8AC3E}">
+        <p14:creationId xmlns:p14="http://schemas.microsoft.com/office/powerpoint/2010/main" val="4182242513"/>
+      </p:ext>
+    </p:extLst>
+  </p:cSld>
+  <p:clrMapOvr>
+    <a:masterClrMapping/>
+  </p:clrMapOvr>
+</p:sld>
+</file>
+
+<file path=ppt/slides/slide40.xml><?xml version="1.0" encoding="utf-8"?>
 <p:sld xmlns:a="http://schemas.openxmlformats.org/drawingml/2006/main" xmlns:r="http://schemas.openxmlformats.org/officeDocument/2006/relationships" xmlns:p="http://schemas.openxmlformats.org/presentationml/2006/main">
   <p:cSld>
     <p:spTree>
@@ -39076,15 +38726,6 @@
 </file>
 
 <file path=customXml/item1.xml><?xml version="1.0" encoding="utf-8"?>
-<?mso-contentType ?>
-<FormTemplates xmlns="http://schemas.microsoft.com/sharepoint/v3/contenttype/forms">
-  <Display>DocumentLibraryForm</Display>
-  <Edit>DocumentLibraryForm</Edit>
-  <New>DocumentLibraryForm</New>
-</FormTemplates>
-</file>
-
-<file path=customXml/item2.xml><?xml version="1.0" encoding="utf-8"?>
 <ct:contentTypeSchema xmlns:ct="http://schemas.microsoft.com/office/2006/metadata/contentType" xmlns:ma="http://schemas.microsoft.com/office/2006/metadata/properties/metaAttributes" ct:_="" ma:_="" ma:contentTypeName="Document" ma:contentTypeID="0x0101009B22848A6E75B0409A42E310CF3F8F4E" ma:contentTypeVersion="4" ma:contentTypeDescription="Create a new document." ma:contentTypeScope="" ma:versionID="1f74bb98edc28091374bbc6334961465">
   <xsd:schema xmlns:xsd="http://www.w3.org/2001/XMLSchema" xmlns:xs="http://www.w3.org/2001/XMLSchema" xmlns:p="http://schemas.microsoft.com/office/2006/metadata/properties" xmlns:ns2="609121fb-01d0-49fe-b3fd-9a3e3a0646a9" xmlns:ns3="c8fb4810-c3cf-44db-bdf0-77d94482a97a" targetNamespace="http://schemas.microsoft.com/office/2006/metadata/properties" ma:root="true" ma:fieldsID="a6f6063613ae5a1e9406fd437b4bafa6" ns2:_="" ns3:_="">
     <xsd:import namespace="609121fb-01d0-49fe-b3fd-9a3e3a0646a9"/>
@@ -39249,21 +38890,22 @@
 </ct:contentTypeSchema>
 </file>
 
-<file path=customXml/item3.xml><?xml version="1.0" encoding="utf-8"?>
+<file path=customXml/item2.xml><?xml version="1.0" encoding="utf-8"?>
 <p:properties xmlns:p="http://schemas.microsoft.com/office/2006/metadata/properties" xmlns:xsi="http://www.w3.org/2001/XMLSchema-instance" xmlns:pc="http://schemas.microsoft.com/office/infopath/2007/PartnerControls">
   <documentManagement/>
 </p:properties>
 </file>
 
-<file path=customXml/itemProps1.xml><?xml version="1.0" encoding="utf-8"?>
-<ds:datastoreItem xmlns:ds="http://schemas.openxmlformats.org/officeDocument/2006/customXml" ds:itemID="{14883F0F-DE57-4ECA-B9BB-F22E8C5B5D82}">
-  <ds:schemaRefs>
-    <ds:schemaRef ds:uri="http://schemas.microsoft.com/sharepoint/v3/contenttype/forms"/>
-  </ds:schemaRefs>
-</ds:datastoreItem>
+<file path=customXml/item3.xml><?xml version="1.0" encoding="utf-8"?>
+<?mso-contentType ?>
+<FormTemplates xmlns="http://schemas.microsoft.com/sharepoint/v3/contenttype/forms">
+  <Display>DocumentLibraryForm</Display>
+  <Edit>DocumentLibraryForm</Edit>
+  <New>DocumentLibraryForm</New>
+</FormTemplates>
 </file>
 
-<file path=customXml/itemProps2.xml><?xml version="1.0" encoding="utf-8"?>
+<file path=customXml/itemProps1.xml><?xml version="1.0" encoding="utf-8"?>
 <ds:datastoreItem xmlns:ds="http://schemas.openxmlformats.org/officeDocument/2006/customXml" ds:itemID="{E53E9727-CC5C-4EF8-9504-50C84B03DEE6}">
   <ds:schemaRefs>
     <ds:schemaRef ds:uri="http://schemas.microsoft.com/office/2006/metadata/contentType"/>
@@ -39282,7 +38924,7 @@
 </ds:datastoreItem>
 </file>
 
-<file path=customXml/itemProps3.xml><?xml version="1.0" encoding="utf-8"?>
+<file path=customXml/itemProps2.xml><?xml version="1.0" encoding="utf-8"?>
 <ds:datastoreItem xmlns:ds="http://schemas.openxmlformats.org/officeDocument/2006/customXml" ds:itemID="{D5E3C081-4081-47AD-A9A6-9F18F525DA1D}">
   <ds:schemaRefs>
     <ds:schemaRef ds:uri="http://purl.org/dc/elements/1.1/"/>
@@ -39297,4 +38939,12 @@
     <ds:schemaRef ds:uri="http://purl.org/dc/dcmitype/"/>
   </ds:schemaRefs>
 </ds:datastoreItem>
+</file>
+
+<file path=customXml/itemProps3.xml><?xml version="1.0" encoding="utf-8"?>
+<ds:datastoreItem xmlns:ds="http://schemas.openxmlformats.org/officeDocument/2006/customXml" ds:itemID="{14883F0F-DE57-4ECA-B9BB-F22E8C5B5D82}">
+  <ds:schemaRefs>
+    <ds:schemaRef ds:uri="http://schemas.microsoft.com/sharepoint/v3/contenttype/forms"/>
+  </ds:schemaRefs>
+</ds:datastoreItem>
 </file>